--- a/apresentacao/Apresentação.pptx
+++ b/apresentacao/Apresentação.pptx
@@ -5,10 +5,10 @@
     <p:sldMasterId id="2147483648" r:id="rId4"/>
   </p:sldMasterIdLst>
   <p:notesMasterIdLst>
-    <p:notesMasterId r:id="rId30"/>
+    <p:notesMasterId r:id="rId31"/>
   </p:notesMasterIdLst>
   <p:handoutMasterIdLst>
-    <p:handoutMasterId r:id="rId31"/>
+    <p:handoutMasterId r:id="rId32"/>
   </p:handoutMasterIdLst>
   <p:sldIdLst>
     <p:sldId id="256" r:id="rId5"/>
@@ -27,15 +27,16 @@
     <p:sldId id="279" r:id="rId18"/>
     <p:sldId id="284" r:id="rId19"/>
     <p:sldId id="285" r:id="rId20"/>
-    <p:sldId id="287" r:id="rId21"/>
-    <p:sldId id="291" r:id="rId22"/>
-    <p:sldId id="288" r:id="rId23"/>
+    <p:sldId id="291" r:id="rId21"/>
+    <p:sldId id="288" r:id="rId22"/>
+    <p:sldId id="286" r:id="rId23"/>
     <p:sldId id="289" r:id="rId24"/>
     <p:sldId id="290" r:id="rId25"/>
-    <p:sldId id="286" r:id="rId26"/>
-    <p:sldId id="267" r:id="rId27"/>
-    <p:sldId id="265" r:id="rId28"/>
-    <p:sldId id="262" r:id="rId29"/>
+    <p:sldId id="293" r:id="rId26"/>
+    <p:sldId id="292" r:id="rId27"/>
+    <p:sldId id="267" r:id="rId28"/>
+    <p:sldId id="265" r:id="rId29"/>
+    <p:sldId id="262" r:id="rId30"/>
   </p:sldIdLst>
   <p:sldSz cx="12192000" cy="6858000"/>
   <p:notesSz cx="6858000" cy="9144000"/>
@@ -316,7 +317,7 @@
             <a:pPr rtl="0"/>
             <a:fld id="{9E772C96-AF7B-461A-93F1-E5A64CB313EA}" type="datetime1">
               <a:rPr lang="pt-BR" smtClean="0"/>
-              <a:t>03/02/2026</a:t>
+              <a:t>04/02/2026</a:t>
             </a:fld>
             <a:endParaRPr lang="pt-BR" dirty="0"/>
           </a:p>
@@ -498,7 +499,7 @@
             <a:fld id="{1269F0B7-85E1-46F0-9201-968C8E4DEE0F}" type="datetime1">
               <a:rPr lang="pt-BR" smtClean="0"/>
               <a:pPr/>
-              <a:t>03/02/2026</a:t>
+              <a:t>04/02/2026</a:t>
             </a:fld>
             <a:endParaRPr lang="pt-BR" dirty="0"/>
           </a:p>
@@ -1681,122 +1682,6 @@
         <p:cNvPr id="1" name="">
           <a:extLst>
             <a:ext uri="{FF2B5EF4-FFF2-40B4-BE49-F238E27FC236}">
-              <a16:creationId xmlns:a16="http://schemas.microsoft.com/office/drawing/2014/main" id="{A29EB40F-4A64-FE3E-9B6E-910F6D88B859}"/>
-            </a:ext>
-          </a:extLst>
-        </p:cNvPr>
-        <p:cNvGrpSpPr/>
-        <p:nvPr/>
-      </p:nvGrpSpPr>
-      <p:grpSpPr>
-        <a:xfrm>
-          <a:off x="0" y="0"/>
-          <a:ext cx="0" cy="0"/>
-          <a:chOff x="0" y="0"/>
-          <a:chExt cx="0" cy="0"/>
-        </a:xfrm>
-      </p:grpSpPr>
-      <p:sp>
-        <p:nvSpPr>
-          <p:cNvPr id="2" name="Espaço Reservado para Imagem de Slide 1">
-            <a:extLst>
-              <a:ext uri="{FF2B5EF4-FFF2-40B4-BE49-F238E27FC236}">
-                <a16:creationId xmlns:a16="http://schemas.microsoft.com/office/drawing/2014/main" id="{9F7DADAD-8B33-BADE-202B-8EC6934BB3DF}"/>
-              </a:ext>
-            </a:extLst>
-          </p:cNvPr>
-          <p:cNvSpPr>
-            <a:spLocks noGrp="1" noRot="1" noChangeAspect="1"/>
-          </p:cNvSpPr>
-          <p:nvPr>
-            <p:ph type="sldImg"/>
-          </p:nvPr>
-        </p:nvSpPr>
-        <p:spPr/>
-        <p:txBody>
-          <a:bodyPr/>
-          <a:lstStyle/>
-          <a:p>
-            <a:endParaRPr lang="pt-BR"/>
-          </a:p>
-        </p:txBody>
-      </p:sp>
-      <p:sp>
-        <p:nvSpPr>
-          <p:cNvPr id="3" name="Espaço Reservado para Anotações 2">
-            <a:extLst>
-              <a:ext uri="{FF2B5EF4-FFF2-40B4-BE49-F238E27FC236}">
-                <a16:creationId xmlns:a16="http://schemas.microsoft.com/office/drawing/2014/main" id="{863E614B-F3DE-C819-B451-C865E294E6FD}"/>
-              </a:ext>
-            </a:extLst>
-          </p:cNvPr>
-          <p:cNvSpPr>
-            <a:spLocks noGrp="1"/>
-          </p:cNvSpPr>
-          <p:nvPr>
-            <p:ph type="body" idx="1"/>
-          </p:nvPr>
-        </p:nvSpPr>
-        <p:spPr/>
-        <p:txBody>
-          <a:bodyPr/>
-          <a:lstStyle/>
-          <a:p>
-            <a:endParaRPr lang="pt-BR"/>
-          </a:p>
-        </p:txBody>
-      </p:sp>
-      <p:sp>
-        <p:nvSpPr>
-          <p:cNvPr id="4" name="Espaço Reservado para Número de Slide 3">
-            <a:extLst>
-              <a:ext uri="{FF2B5EF4-FFF2-40B4-BE49-F238E27FC236}">
-                <a16:creationId xmlns:a16="http://schemas.microsoft.com/office/drawing/2014/main" id="{4AB49B1F-AB5C-8427-3637-B4F284496331}"/>
-              </a:ext>
-            </a:extLst>
-          </p:cNvPr>
-          <p:cNvSpPr>
-            <a:spLocks noGrp="1"/>
-          </p:cNvSpPr>
-          <p:nvPr>
-            <p:ph type="sldNum" sz="quarter" idx="5"/>
-          </p:nvPr>
-        </p:nvSpPr>
-        <p:spPr/>
-        <p:txBody>
-          <a:bodyPr/>
-          <a:lstStyle/>
-          <a:p>
-            <a:pPr rtl="0"/>
-            <a:fld id="{43D1BA25-45AC-0C48-96BD-5DDCEEC5AF57}" type="slidenum">
-              <a:rPr lang="pt-BR" smtClean="0"/>
-              <a:t>17</a:t>
-            </a:fld>
-            <a:endParaRPr lang="pt-BR"/>
-          </a:p>
-        </p:txBody>
-      </p:sp>
-    </p:spTree>
-    <p:extLst>
-      <p:ext uri="{BB962C8B-B14F-4D97-AF65-F5344CB8AC3E}">
-        <p14:creationId xmlns:p14="http://schemas.microsoft.com/office/powerpoint/2010/main" val="3247027153"/>
-      </p:ext>
-    </p:extLst>
-  </p:cSld>
-  <p:clrMapOvr>
-    <a:masterClrMapping/>
-  </p:clrMapOvr>
-</p:notes>
-</file>
-
-<file path=ppt/notesSlides/notesSlide18.xml><?xml version="1.0" encoding="utf-8"?>
-<p:notes xmlns:a="http://schemas.openxmlformats.org/drawingml/2006/main" xmlns:r="http://schemas.openxmlformats.org/officeDocument/2006/relationships" xmlns:p="http://schemas.openxmlformats.org/presentationml/2006/main">
-  <p:cSld>
-    <p:spTree>
-      <p:nvGrpSpPr>
-        <p:cNvPr id="1" name="">
-          <a:extLst>
-            <a:ext uri="{FF2B5EF4-FFF2-40B4-BE49-F238E27FC236}">
               <a16:creationId xmlns:a16="http://schemas.microsoft.com/office/drawing/2014/main" id="{AA7A2A0A-C286-841D-7B80-B7A4C05B28AE}"/>
             </a:ext>
           </a:extLst>
@@ -1886,7 +1771,7 @@
             <a:pPr rtl="0"/>
             <a:fld id="{43D1BA25-45AC-0C48-96BD-5DDCEEC5AF57}" type="slidenum">
               <a:rPr lang="pt-BR" smtClean="0"/>
-              <a:t>18</a:t>
+              <a:t>17</a:t>
             </a:fld>
             <a:endParaRPr lang="pt-BR"/>
           </a:p>
@@ -1905,7 +1790,7 @@
 </p:notes>
 </file>
 
-<file path=ppt/notesSlides/notesSlide19.xml><?xml version="1.0" encoding="utf-8"?>
+<file path=ppt/notesSlides/notesSlide18.xml><?xml version="1.0" encoding="utf-8"?>
 <p:notes xmlns:a="http://schemas.openxmlformats.org/drawingml/2006/main" xmlns:r="http://schemas.openxmlformats.org/officeDocument/2006/relationships" xmlns:p="http://schemas.openxmlformats.org/presentationml/2006/main">
   <p:cSld>
     <p:spTree>
@@ -2002,7 +1887,7 @@
             <a:pPr rtl="0"/>
             <a:fld id="{43D1BA25-45AC-0C48-96BD-5DDCEEC5AF57}" type="slidenum">
               <a:rPr lang="pt-BR" smtClean="0"/>
-              <a:t>19</a:t>
+              <a:t>18</a:t>
             </a:fld>
             <a:endParaRPr lang="pt-BR"/>
           </a:p>
@@ -2012,6 +1897,122 @@
     <p:extLst>
       <p:ext uri="{BB962C8B-B14F-4D97-AF65-F5344CB8AC3E}">
         <p14:creationId xmlns:p14="http://schemas.microsoft.com/office/powerpoint/2010/main" val="3588312736"/>
+      </p:ext>
+    </p:extLst>
+  </p:cSld>
+  <p:clrMapOvr>
+    <a:masterClrMapping/>
+  </p:clrMapOvr>
+</p:notes>
+</file>
+
+<file path=ppt/notesSlides/notesSlide19.xml><?xml version="1.0" encoding="utf-8"?>
+<p:notes xmlns:a="http://schemas.openxmlformats.org/drawingml/2006/main" xmlns:r="http://schemas.openxmlformats.org/officeDocument/2006/relationships" xmlns:p="http://schemas.openxmlformats.org/presentationml/2006/main">
+  <p:cSld>
+    <p:spTree>
+      <p:nvGrpSpPr>
+        <p:cNvPr id="1" name="">
+          <a:extLst>
+            <a:ext uri="{FF2B5EF4-FFF2-40B4-BE49-F238E27FC236}">
+              <a16:creationId xmlns:a16="http://schemas.microsoft.com/office/drawing/2014/main" id="{3BE44D1F-DBED-B5F9-E7B1-584AD4747725}"/>
+            </a:ext>
+          </a:extLst>
+        </p:cNvPr>
+        <p:cNvGrpSpPr/>
+        <p:nvPr/>
+      </p:nvGrpSpPr>
+      <p:grpSpPr>
+        <a:xfrm>
+          <a:off x="0" y="0"/>
+          <a:ext cx="0" cy="0"/>
+          <a:chOff x="0" y="0"/>
+          <a:chExt cx="0" cy="0"/>
+        </a:xfrm>
+      </p:grpSpPr>
+      <p:sp>
+        <p:nvSpPr>
+          <p:cNvPr id="2" name="Espaço Reservado para Imagem de Slide 1">
+            <a:extLst>
+              <a:ext uri="{FF2B5EF4-FFF2-40B4-BE49-F238E27FC236}">
+                <a16:creationId xmlns:a16="http://schemas.microsoft.com/office/drawing/2014/main" id="{E0B9C166-8ADD-E0C4-59FF-32DA484B9D88}"/>
+              </a:ext>
+            </a:extLst>
+          </p:cNvPr>
+          <p:cNvSpPr>
+            <a:spLocks noGrp="1" noRot="1" noChangeAspect="1"/>
+          </p:cNvSpPr>
+          <p:nvPr>
+            <p:ph type="sldImg"/>
+          </p:nvPr>
+        </p:nvSpPr>
+        <p:spPr/>
+        <p:txBody>
+          <a:bodyPr/>
+          <a:lstStyle/>
+          <a:p>
+            <a:endParaRPr lang="pt-BR"/>
+          </a:p>
+        </p:txBody>
+      </p:sp>
+      <p:sp>
+        <p:nvSpPr>
+          <p:cNvPr id="3" name="Espaço Reservado para Anotações 2">
+            <a:extLst>
+              <a:ext uri="{FF2B5EF4-FFF2-40B4-BE49-F238E27FC236}">
+                <a16:creationId xmlns:a16="http://schemas.microsoft.com/office/drawing/2014/main" id="{8FEAD3CF-DC63-F333-6268-11037A877C09}"/>
+              </a:ext>
+            </a:extLst>
+          </p:cNvPr>
+          <p:cNvSpPr>
+            <a:spLocks noGrp="1"/>
+          </p:cNvSpPr>
+          <p:nvPr>
+            <p:ph type="body" idx="1"/>
+          </p:nvPr>
+        </p:nvSpPr>
+        <p:spPr/>
+        <p:txBody>
+          <a:bodyPr/>
+          <a:lstStyle/>
+          <a:p>
+            <a:endParaRPr lang="pt-BR"/>
+          </a:p>
+        </p:txBody>
+      </p:sp>
+      <p:sp>
+        <p:nvSpPr>
+          <p:cNvPr id="4" name="Espaço Reservado para Número de Slide 3">
+            <a:extLst>
+              <a:ext uri="{FF2B5EF4-FFF2-40B4-BE49-F238E27FC236}">
+                <a16:creationId xmlns:a16="http://schemas.microsoft.com/office/drawing/2014/main" id="{3258C4DA-FA35-4ADA-C134-F0F2FA57EDC7}"/>
+              </a:ext>
+            </a:extLst>
+          </p:cNvPr>
+          <p:cNvSpPr>
+            <a:spLocks noGrp="1"/>
+          </p:cNvSpPr>
+          <p:nvPr>
+            <p:ph type="sldNum" sz="quarter" idx="5"/>
+          </p:nvPr>
+        </p:nvSpPr>
+        <p:spPr/>
+        <p:txBody>
+          <a:bodyPr/>
+          <a:lstStyle/>
+          <a:p>
+            <a:pPr rtl="0"/>
+            <a:fld id="{43D1BA25-45AC-0C48-96BD-5DDCEEC5AF57}" type="slidenum">
+              <a:rPr lang="pt-BR" smtClean="0"/>
+              <a:t>19</a:t>
+            </a:fld>
+            <a:endParaRPr lang="pt-BR"/>
+          </a:p>
+        </p:txBody>
+      </p:sp>
+    </p:spTree>
+    <p:extLst>
+      <p:ext uri="{BB962C8B-B14F-4D97-AF65-F5344CB8AC3E}">
+        <p14:creationId xmlns:p14="http://schemas.microsoft.com/office/powerpoint/2010/main" val="3469080332"/>
       </p:ext>
     </p:extLst>
   </p:cSld>
@@ -2353,7 +2354,7 @@
         <p:cNvPr id="1" name="">
           <a:extLst>
             <a:ext uri="{FF2B5EF4-FFF2-40B4-BE49-F238E27FC236}">
-              <a16:creationId xmlns:a16="http://schemas.microsoft.com/office/drawing/2014/main" id="{3BE44D1F-DBED-B5F9-E7B1-584AD4747725}"/>
+              <a16:creationId xmlns:a16="http://schemas.microsoft.com/office/drawing/2014/main" id="{219256B5-3D6B-D499-D376-74D11DFE1D19}"/>
             </a:ext>
           </a:extLst>
         </p:cNvPr>
@@ -2373,7 +2374,7 @@
           <p:cNvPr id="2" name="Espaço Reservado para Imagem de Slide 1">
             <a:extLst>
               <a:ext uri="{FF2B5EF4-FFF2-40B4-BE49-F238E27FC236}">
-                <a16:creationId xmlns:a16="http://schemas.microsoft.com/office/drawing/2014/main" id="{E0B9C166-8ADD-E0C4-59FF-32DA484B9D88}"/>
+                <a16:creationId xmlns:a16="http://schemas.microsoft.com/office/drawing/2014/main" id="{2BF11F23-F988-8034-B827-22A93E9AEC74}"/>
               </a:ext>
             </a:extLst>
           </p:cNvPr>
@@ -2398,7 +2399,7 @@
           <p:cNvPr id="3" name="Espaço Reservado para Anotações 2">
             <a:extLst>
               <a:ext uri="{FF2B5EF4-FFF2-40B4-BE49-F238E27FC236}">
-                <a16:creationId xmlns:a16="http://schemas.microsoft.com/office/drawing/2014/main" id="{8FEAD3CF-DC63-F333-6268-11037A877C09}"/>
+                <a16:creationId xmlns:a16="http://schemas.microsoft.com/office/drawing/2014/main" id="{2CF00481-DF83-DB6A-DD17-A781A3EC3B74}"/>
               </a:ext>
             </a:extLst>
           </p:cNvPr>
@@ -2423,7 +2424,7 @@
           <p:cNvPr id="4" name="Espaço Reservado para Número de Slide 3">
             <a:extLst>
               <a:ext uri="{FF2B5EF4-FFF2-40B4-BE49-F238E27FC236}">
-                <a16:creationId xmlns:a16="http://schemas.microsoft.com/office/drawing/2014/main" id="{3258C4DA-FA35-4ADA-C134-F0F2FA57EDC7}"/>
+                <a16:creationId xmlns:a16="http://schemas.microsoft.com/office/drawing/2014/main" id="{C2DD71D0-6CB3-1E42-04E8-EE0A1A7F2954}"/>
               </a:ext>
             </a:extLst>
           </p:cNvPr>
@@ -2451,7 +2452,7 @@
     </p:spTree>
     <p:extLst>
       <p:ext uri="{BB962C8B-B14F-4D97-AF65-F5344CB8AC3E}">
-        <p14:creationId xmlns:p14="http://schemas.microsoft.com/office/powerpoint/2010/main" val="3469080332"/>
+        <p14:creationId xmlns:p14="http://schemas.microsoft.com/office/powerpoint/2010/main" val="1940962229"/>
       </p:ext>
     </p:extLst>
   </p:cSld>
@@ -2466,7 +2467,13 @@
   <p:cSld>
     <p:spTree>
       <p:nvGrpSpPr>
-        <p:cNvPr id="1" name=""/>
+        <p:cNvPr id="1" name="">
+          <a:extLst>
+            <a:ext uri="{FF2B5EF4-FFF2-40B4-BE49-F238E27FC236}">
+              <a16:creationId xmlns:a16="http://schemas.microsoft.com/office/drawing/2014/main" id="{77BFD58B-827B-4706-9DC3-DC692051689A}"/>
+            </a:ext>
+          </a:extLst>
+        </p:cNvPr>
         <p:cNvGrpSpPr/>
         <p:nvPr/>
       </p:nvGrpSpPr>
@@ -2480,7 +2487,13 @@
       </p:grpSpPr>
       <p:sp>
         <p:nvSpPr>
-          <p:cNvPr id="2" name="Espaço Reservado para Imagem de Slide 1"/>
+          <p:cNvPr id="2" name="Espaço Reservado para Imagem de Slide 1">
+            <a:extLst>
+              <a:ext uri="{FF2B5EF4-FFF2-40B4-BE49-F238E27FC236}">
+                <a16:creationId xmlns:a16="http://schemas.microsoft.com/office/drawing/2014/main" id="{C68DCB60-5430-28C3-BAE7-73D8DF38531B}"/>
+              </a:ext>
+            </a:extLst>
+          </p:cNvPr>
           <p:cNvSpPr>
             <a:spLocks noGrp="1" noRot="1" noChangeAspect="1"/>
           </p:cNvSpPr>
@@ -2499,7 +2512,13 @@
       </p:sp>
       <p:sp>
         <p:nvSpPr>
-          <p:cNvPr id="3" name="Espaço Reservado para Anotações 2"/>
+          <p:cNvPr id="3" name="Espaço Reservado para Anotações 2">
+            <a:extLst>
+              <a:ext uri="{FF2B5EF4-FFF2-40B4-BE49-F238E27FC236}">
+                <a16:creationId xmlns:a16="http://schemas.microsoft.com/office/drawing/2014/main" id="{3C5D0616-B7B4-8270-2DB4-E75B07ED1254}"/>
+              </a:ext>
+            </a:extLst>
+          </p:cNvPr>
           <p:cNvSpPr>
             <a:spLocks noGrp="1"/>
           </p:cNvSpPr>
@@ -2518,7 +2537,13 @@
       </p:sp>
       <p:sp>
         <p:nvSpPr>
-          <p:cNvPr id="4" name="Espaço Reservado para Número de Slide 3"/>
+          <p:cNvPr id="4" name="Espaço Reservado para Número de Slide 3">
+            <a:extLst>
+              <a:ext uri="{FF2B5EF4-FFF2-40B4-BE49-F238E27FC236}">
+                <a16:creationId xmlns:a16="http://schemas.microsoft.com/office/drawing/2014/main" id="{AA4B5E9D-E156-2BEA-1B68-17A3C0043149}"/>
+              </a:ext>
+            </a:extLst>
+          </p:cNvPr>
           <p:cNvSpPr>
             <a:spLocks noGrp="1"/>
           </p:cNvSpPr>
@@ -2543,7 +2568,7 @@
     </p:spTree>
     <p:extLst>
       <p:ext uri="{BB962C8B-B14F-4D97-AF65-F5344CB8AC3E}">
-        <p14:creationId xmlns:p14="http://schemas.microsoft.com/office/powerpoint/2010/main" val="3221583287"/>
+        <p14:creationId xmlns:p14="http://schemas.microsoft.com/office/powerpoint/2010/main" val="1633017294"/>
       </p:ext>
     </p:extLst>
   </p:cSld>
@@ -2635,7 +2660,7 @@
     </p:spTree>
     <p:extLst>
       <p:ext uri="{BB962C8B-B14F-4D97-AF65-F5344CB8AC3E}">
-        <p14:creationId xmlns:p14="http://schemas.microsoft.com/office/powerpoint/2010/main" val="1016937894"/>
+        <p14:creationId xmlns:p14="http://schemas.microsoft.com/office/powerpoint/2010/main" val="3221583287"/>
       </p:ext>
     </p:extLst>
   </p:cSld>
@@ -2719,6 +2744,98 @@
             <a:fld id="{43D1BA25-45AC-0C48-96BD-5DDCEEC5AF57}" type="slidenum">
               <a:rPr lang="pt-BR" smtClean="0"/>
               <a:t>25</a:t>
+            </a:fld>
+            <a:endParaRPr lang="pt-BR"/>
+          </a:p>
+        </p:txBody>
+      </p:sp>
+    </p:spTree>
+    <p:extLst>
+      <p:ext uri="{BB962C8B-B14F-4D97-AF65-F5344CB8AC3E}">
+        <p14:creationId xmlns:p14="http://schemas.microsoft.com/office/powerpoint/2010/main" val="1016937894"/>
+      </p:ext>
+    </p:extLst>
+  </p:cSld>
+  <p:clrMapOvr>
+    <a:masterClrMapping/>
+  </p:clrMapOvr>
+</p:notes>
+</file>
+
+<file path=ppt/notesSlides/notesSlide26.xml><?xml version="1.0" encoding="utf-8"?>
+<p:notes xmlns:a="http://schemas.openxmlformats.org/drawingml/2006/main" xmlns:r="http://schemas.openxmlformats.org/officeDocument/2006/relationships" xmlns:p="http://schemas.openxmlformats.org/presentationml/2006/main">
+  <p:cSld>
+    <p:spTree>
+      <p:nvGrpSpPr>
+        <p:cNvPr id="1" name=""/>
+        <p:cNvGrpSpPr/>
+        <p:nvPr/>
+      </p:nvGrpSpPr>
+      <p:grpSpPr>
+        <a:xfrm>
+          <a:off x="0" y="0"/>
+          <a:ext cx="0" cy="0"/>
+          <a:chOff x="0" y="0"/>
+          <a:chExt cx="0" cy="0"/>
+        </a:xfrm>
+      </p:grpSpPr>
+      <p:sp>
+        <p:nvSpPr>
+          <p:cNvPr id="2" name="Espaço Reservado para Imagem de Slide 1"/>
+          <p:cNvSpPr>
+            <a:spLocks noGrp="1" noRot="1" noChangeAspect="1"/>
+          </p:cNvSpPr>
+          <p:nvPr>
+            <p:ph type="sldImg"/>
+          </p:nvPr>
+        </p:nvSpPr>
+        <p:spPr/>
+        <p:txBody>
+          <a:bodyPr/>
+          <a:lstStyle/>
+          <a:p>
+            <a:endParaRPr lang="pt-BR"/>
+          </a:p>
+        </p:txBody>
+      </p:sp>
+      <p:sp>
+        <p:nvSpPr>
+          <p:cNvPr id="3" name="Espaço Reservado para Anotações 2"/>
+          <p:cNvSpPr>
+            <a:spLocks noGrp="1"/>
+          </p:cNvSpPr>
+          <p:nvPr>
+            <p:ph type="body" idx="1"/>
+          </p:nvPr>
+        </p:nvSpPr>
+        <p:spPr/>
+        <p:txBody>
+          <a:bodyPr/>
+          <a:lstStyle/>
+          <a:p>
+            <a:endParaRPr lang="pt-BR"/>
+          </a:p>
+        </p:txBody>
+      </p:sp>
+      <p:sp>
+        <p:nvSpPr>
+          <p:cNvPr id="4" name="Espaço Reservado para Número de Slide 3"/>
+          <p:cNvSpPr>
+            <a:spLocks noGrp="1"/>
+          </p:cNvSpPr>
+          <p:nvPr>
+            <p:ph type="sldNum" sz="quarter" idx="5"/>
+          </p:nvPr>
+        </p:nvSpPr>
+        <p:spPr/>
+        <p:txBody>
+          <a:bodyPr/>
+          <a:lstStyle/>
+          <a:p>
+            <a:pPr rtl="0"/>
+            <a:fld id="{43D1BA25-45AC-0C48-96BD-5DDCEEC5AF57}" type="slidenum">
+              <a:rPr lang="pt-BR" smtClean="0"/>
+              <a:t>26</a:t>
             </a:fld>
             <a:endParaRPr lang="pt-BR"/>
           </a:p>
@@ -14725,7 +14842,7 @@
         </p:blipFill>
         <p:spPr>
           <a:xfrm>
-            <a:off x="1097279" y="2366271"/>
+            <a:off x="1026258" y="2823472"/>
             <a:ext cx="10485712" cy="2828719"/>
           </a:xfrm>
           <a:prstGeom prst="rect">
@@ -14733,6 +14850,55 @@
           </a:prstGeom>
         </p:spPr>
       </p:pic>
+      <p:sp>
+        <p:nvSpPr>
+          <p:cNvPr id="3" name="CaixaDeTexto 2">
+            <a:extLst>
+              <a:ext uri="{FF2B5EF4-FFF2-40B4-BE49-F238E27FC236}">
+                <a16:creationId xmlns:a16="http://schemas.microsoft.com/office/drawing/2014/main" id="{DAF4959A-A6DC-CD3D-AF18-BD38B9B1C2BE}"/>
+              </a:ext>
+            </a:extLst>
+          </p:cNvPr>
+          <p:cNvSpPr txBox="1"/>
+          <p:nvPr/>
+        </p:nvSpPr>
+        <p:spPr>
+          <a:xfrm>
+            <a:off x="3026921" y="2125929"/>
+            <a:ext cx="6108724" cy="584775"/>
+          </a:xfrm>
+          <a:prstGeom prst="rect">
+            <a:avLst/>
+          </a:prstGeom>
+          <a:noFill/>
+        </p:spPr>
+        <p:txBody>
+          <a:bodyPr wrap="none" rtlCol="0">
+            <a:spAutoFit/>
+          </a:bodyPr>
+          <a:lstStyle/>
+          <a:p>
+            <a:r>
+              <a:rPr lang="pt-BR" sz="3200" dirty="0" err="1">
+                <a:solidFill>
+                  <a:srgbClr val="FF0000"/>
+                </a:solidFill>
+                <a:latin typeface="+mj-lt"/>
+              </a:rPr>
+              <a:t>WorkSpace</a:t>
+            </a:r>
+            <a:r>
+              <a:rPr lang="pt-BR" sz="3200" dirty="0">
+                <a:solidFill>
+                  <a:srgbClr val="FF0000"/>
+                </a:solidFill>
+                <a:latin typeface="+mj-lt"/>
+              </a:rPr>
+              <a:t> integrado com GitHub</a:t>
+            </a:r>
+          </a:p>
+        </p:txBody>
+      </p:sp>
     </p:spTree>
     <p:extLst>
       <p:ext uri="{BB962C8B-B14F-4D97-AF65-F5344CB8AC3E}">
@@ -14747,163 +14913,6 @@
 </file>
 
 <file path=ppt/slides/slide17.xml><?xml version="1.0" encoding="utf-8"?>
-<p:sld xmlns:a="http://schemas.openxmlformats.org/drawingml/2006/main" xmlns:r="http://schemas.openxmlformats.org/officeDocument/2006/relationships" xmlns:p="http://schemas.openxmlformats.org/presentationml/2006/main">
-  <p:cSld>
-    <p:spTree>
-      <p:nvGrpSpPr>
-        <p:cNvPr id="1" name="">
-          <a:extLst>
-            <a:ext uri="{FF2B5EF4-FFF2-40B4-BE49-F238E27FC236}">
-              <a16:creationId xmlns:a16="http://schemas.microsoft.com/office/drawing/2014/main" id="{A3498348-E81A-AA16-DD68-887FFA3A6807}"/>
-            </a:ext>
-          </a:extLst>
-        </p:cNvPr>
-        <p:cNvGrpSpPr/>
-        <p:nvPr/>
-      </p:nvGrpSpPr>
-      <p:grpSpPr>
-        <a:xfrm>
-          <a:off x="0" y="0"/>
-          <a:ext cx="0" cy="0"/>
-          <a:chOff x="0" y="0"/>
-          <a:chExt cx="0" cy="0"/>
-        </a:xfrm>
-      </p:grpSpPr>
-      <p:pic>
-        <p:nvPicPr>
-          <p:cNvPr id="15" name="Espaço Reservado para Imagem 14">
-            <a:extLst>
-              <a:ext uri="{FF2B5EF4-FFF2-40B4-BE49-F238E27FC236}">
-                <a16:creationId xmlns:a16="http://schemas.microsoft.com/office/drawing/2014/main" id="{A8047318-AD6E-61B9-54AB-B677A5BA946D}"/>
-              </a:ext>
-            </a:extLst>
-          </p:cNvPr>
-          <p:cNvPicPr>
-            <a:picLocks noGrp="1" noChangeAspect="1"/>
-          </p:cNvPicPr>
-          <p:nvPr>
-            <p:ph type="pic" sz="quarter" idx="22"/>
-          </p:nvPr>
-        </p:nvPicPr>
-        <p:blipFill>
-          <a:blip r:embed="rId3"/>
-          <a:srcRect t="39775" b="39775"/>
-          <a:stretch>
-            <a:fillRect/>
-          </a:stretch>
-        </p:blipFill>
-        <p:spPr/>
-      </p:pic>
-      <p:sp>
-        <p:nvSpPr>
-          <p:cNvPr id="2" name="Título 1">
-            <a:extLst>
-              <a:ext uri="{FF2B5EF4-FFF2-40B4-BE49-F238E27FC236}">
-                <a16:creationId xmlns:a16="http://schemas.microsoft.com/office/drawing/2014/main" id="{802362F8-A665-11A4-E2B4-038ACDE0F164}"/>
-              </a:ext>
-            </a:extLst>
-          </p:cNvPr>
-          <p:cNvSpPr>
-            <a:spLocks noGrp="1"/>
-          </p:cNvSpPr>
-          <p:nvPr>
-            <p:ph type="title"/>
-          </p:nvPr>
-        </p:nvSpPr>
-        <p:spPr>
-          <a:xfrm>
-            <a:off x="1097279" y="457201"/>
-            <a:ext cx="9997440" cy="1662113"/>
-          </a:xfrm>
-        </p:spPr>
-        <p:txBody>
-          <a:bodyPr rtlCol="0">
-            <a:normAutofit/>
-          </a:bodyPr>
-          <a:lstStyle/>
-          <a:p>
-            <a:r>
-              <a:rPr lang="pt-BR" dirty="0"/>
-              <a:t>Construção</a:t>
-            </a:r>
-          </a:p>
-        </p:txBody>
-      </p:sp>
-      <p:sp>
-        <p:nvSpPr>
-          <p:cNvPr id="11" name="Espaço Reservado para o Número do Slide 10">
-            <a:extLst>
-              <a:ext uri="{FF2B5EF4-FFF2-40B4-BE49-F238E27FC236}">
-                <a16:creationId xmlns:a16="http://schemas.microsoft.com/office/drawing/2014/main" id="{C39CB1A4-BE5E-42E5-B4D0-4C16F51EC123}"/>
-              </a:ext>
-            </a:extLst>
-          </p:cNvPr>
-          <p:cNvSpPr>
-            <a:spLocks noGrp="1"/>
-          </p:cNvSpPr>
-          <p:nvPr>
-            <p:ph type="sldNum" sz="quarter" idx="12"/>
-          </p:nvPr>
-        </p:nvSpPr>
-        <p:spPr/>
-        <p:txBody>
-          <a:bodyPr rtlCol="0"/>
-          <a:lstStyle/>
-          <a:p>
-            <a:pPr rtl="0"/>
-            <a:fld id="{294A09A9-5501-47C1-A89A-A340965A2BE2}" type="slidenum">
-              <a:rPr lang="pt-BR" smtClean="0"/>
-              <a:pPr rtl="0"/>
-              <a:t>17</a:t>
-            </a:fld>
-            <a:endParaRPr lang="pt-BR"/>
-          </a:p>
-        </p:txBody>
-      </p:sp>
-      <p:pic>
-        <p:nvPicPr>
-          <p:cNvPr id="6" name="Imagem 5">
-            <a:extLst>
-              <a:ext uri="{FF2B5EF4-FFF2-40B4-BE49-F238E27FC236}">
-                <a16:creationId xmlns:a16="http://schemas.microsoft.com/office/drawing/2014/main" id="{9F7D63BE-44A3-D023-22F6-3608E1540DD2}"/>
-              </a:ext>
-            </a:extLst>
-          </p:cNvPr>
-          <p:cNvPicPr>
-            <a:picLocks noChangeAspect="1"/>
-          </p:cNvPicPr>
-          <p:nvPr/>
-        </p:nvPicPr>
-        <p:blipFill>
-          <a:blip r:embed="rId4"/>
-          <a:stretch>
-            <a:fillRect/>
-          </a:stretch>
-        </p:blipFill>
-        <p:spPr>
-          <a:xfrm>
-            <a:off x="1097279" y="2366271"/>
-            <a:ext cx="10485712" cy="2828719"/>
-          </a:xfrm>
-          <a:prstGeom prst="rect">
-            <a:avLst/>
-          </a:prstGeom>
-        </p:spPr>
-      </p:pic>
-    </p:spTree>
-    <p:extLst>
-      <p:ext uri="{BB962C8B-B14F-4D97-AF65-F5344CB8AC3E}">
-        <p14:creationId xmlns:p14="http://schemas.microsoft.com/office/powerpoint/2010/main" val="1688656222"/>
-      </p:ext>
-    </p:extLst>
-  </p:cSld>
-  <p:clrMapOvr>
-    <a:masterClrMapping/>
-  </p:clrMapOvr>
-</p:sld>
-</file>
-
-<file path=ppt/slides/slide18.xml><?xml version="1.0" encoding="utf-8"?>
 <p:sld xmlns:a="http://schemas.openxmlformats.org/drawingml/2006/main" xmlns:r="http://schemas.openxmlformats.org/officeDocument/2006/relationships" xmlns:p="http://schemas.openxmlformats.org/presentationml/2006/main">
   <p:cSld>
     <p:spTree>
@@ -15011,7 +15020,7 @@
             <a:fld id="{294A09A9-5501-47C1-A89A-A340965A2BE2}" type="slidenum">
               <a:rPr lang="pt-BR" smtClean="0"/>
               <a:pPr rtl="0"/>
-              <a:t>18</a:t>
+              <a:t>17</a:t>
             </a:fld>
             <a:endParaRPr lang="pt-BR"/>
           </a:p>
@@ -15039,14 +15048,54 @@
         </p:blipFill>
         <p:spPr>
           <a:xfrm>
-            <a:off x="2725445" y="2266989"/>
-            <a:ext cx="7439487" cy="3941686"/>
+            <a:off x="2334828" y="2603149"/>
+            <a:ext cx="6998924" cy="3618906"/>
           </a:xfrm>
           <a:prstGeom prst="rect">
             <a:avLst/>
           </a:prstGeom>
         </p:spPr>
       </p:pic>
+      <p:sp>
+        <p:nvSpPr>
+          <p:cNvPr id="3" name="CaixaDeTexto 2">
+            <a:extLst>
+              <a:ext uri="{FF2B5EF4-FFF2-40B4-BE49-F238E27FC236}">
+                <a16:creationId xmlns:a16="http://schemas.microsoft.com/office/drawing/2014/main" id="{556C044B-B7ED-B0AB-C24A-F14F77BA8200}"/>
+              </a:ext>
+            </a:extLst>
+          </p:cNvPr>
+          <p:cNvSpPr txBox="1"/>
+          <p:nvPr/>
+        </p:nvSpPr>
+        <p:spPr>
+          <a:xfrm>
+            <a:off x="3026921" y="2125929"/>
+            <a:ext cx="5462521" cy="584775"/>
+          </a:xfrm>
+          <a:prstGeom prst="rect">
+            <a:avLst/>
+          </a:prstGeom>
+          <a:noFill/>
+        </p:spPr>
+        <p:txBody>
+          <a:bodyPr wrap="none" rtlCol="0">
+            <a:spAutoFit/>
+          </a:bodyPr>
+          <a:lstStyle/>
+          <a:p>
+            <a:r>
+              <a:rPr lang="pt-BR" sz="3200" dirty="0">
+                <a:solidFill>
+                  <a:srgbClr val="FF0000"/>
+                </a:solidFill>
+                <a:latin typeface="+mj-lt"/>
+              </a:rPr>
+              <a:t>Desenvolvimento do Notebook</a:t>
+            </a:r>
+          </a:p>
+        </p:txBody>
+      </p:sp>
     </p:spTree>
     <p:extLst>
       <p:ext uri="{BB962C8B-B14F-4D97-AF65-F5344CB8AC3E}">
@@ -15060,7 +15109,7 @@
 </p:sld>
 </file>
 
-<file path=ppt/slides/slide19.xml><?xml version="1.0" encoding="utf-8"?>
+<file path=ppt/slides/slide18.xml><?xml version="1.0" encoding="utf-8"?>
 <p:sld xmlns:a="http://schemas.openxmlformats.org/drawingml/2006/main" xmlns:r="http://schemas.openxmlformats.org/officeDocument/2006/relationships" xmlns:p="http://schemas.openxmlformats.org/presentationml/2006/main">
   <p:cSld>
     <p:spTree>
@@ -15168,7 +15217,7 @@
             <a:fld id="{294A09A9-5501-47C1-A89A-A340965A2BE2}" type="slidenum">
               <a:rPr lang="pt-BR" smtClean="0"/>
               <a:pPr rtl="0"/>
-              <a:t>19</a:t>
+              <a:t>18</a:t>
             </a:fld>
             <a:endParaRPr lang="pt-BR"/>
           </a:p>
@@ -15204,10 +15253,277 @@
           </a:prstGeom>
         </p:spPr>
       </p:pic>
+      <p:sp>
+        <p:nvSpPr>
+          <p:cNvPr id="3" name="CaixaDeTexto 2">
+            <a:extLst>
+              <a:ext uri="{FF2B5EF4-FFF2-40B4-BE49-F238E27FC236}">
+                <a16:creationId xmlns:a16="http://schemas.microsoft.com/office/drawing/2014/main" id="{455B4C50-B028-952F-1BC5-108318FCF12E}"/>
+              </a:ext>
+            </a:extLst>
+          </p:cNvPr>
+          <p:cNvSpPr txBox="1"/>
+          <p:nvPr/>
+        </p:nvSpPr>
+        <p:spPr>
+          <a:xfrm>
+            <a:off x="4811333" y="2196041"/>
+            <a:ext cx="2716385" cy="584775"/>
+          </a:xfrm>
+          <a:prstGeom prst="rect">
+            <a:avLst/>
+          </a:prstGeom>
+          <a:noFill/>
+        </p:spPr>
+        <p:txBody>
+          <a:bodyPr wrap="none" rtlCol="0">
+            <a:spAutoFit/>
+          </a:bodyPr>
+          <a:lstStyle/>
+          <a:p>
+            <a:r>
+              <a:rPr lang="pt-BR" sz="3200" dirty="0">
+                <a:solidFill>
+                  <a:srgbClr val="FF0000"/>
+                </a:solidFill>
+                <a:latin typeface="+mj-lt"/>
+              </a:rPr>
+              <a:t>Criação do </a:t>
+            </a:r>
+            <a:r>
+              <a:rPr lang="pt-BR" sz="3200" dirty="0" err="1">
+                <a:solidFill>
+                  <a:srgbClr val="FF0000"/>
+                </a:solidFill>
+                <a:latin typeface="+mj-lt"/>
+              </a:rPr>
+              <a:t>Job</a:t>
+            </a:r>
+            <a:endParaRPr lang="pt-BR" sz="3200" dirty="0">
+              <a:solidFill>
+                <a:srgbClr val="FF0000"/>
+              </a:solidFill>
+              <a:latin typeface="+mj-lt"/>
+            </a:endParaRPr>
+          </a:p>
+        </p:txBody>
+      </p:sp>
     </p:spTree>
     <p:extLst>
       <p:ext uri="{BB962C8B-B14F-4D97-AF65-F5344CB8AC3E}">
         <p14:creationId xmlns:p14="http://schemas.microsoft.com/office/powerpoint/2010/main" val="2599056577"/>
+      </p:ext>
+    </p:extLst>
+  </p:cSld>
+  <p:clrMapOvr>
+    <a:masterClrMapping/>
+  </p:clrMapOvr>
+</p:sld>
+</file>
+
+<file path=ppt/slides/slide19.xml><?xml version="1.0" encoding="utf-8"?>
+<p:sld xmlns:a="http://schemas.openxmlformats.org/drawingml/2006/main" xmlns:r="http://schemas.openxmlformats.org/officeDocument/2006/relationships" xmlns:p="http://schemas.openxmlformats.org/presentationml/2006/main">
+  <p:cSld>
+    <p:spTree>
+      <p:nvGrpSpPr>
+        <p:cNvPr id="1" name="">
+          <a:extLst>
+            <a:ext uri="{FF2B5EF4-FFF2-40B4-BE49-F238E27FC236}">
+              <a16:creationId xmlns:a16="http://schemas.microsoft.com/office/drawing/2014/main" id="{F603BDAF-E08F-E24D-DC5E-A603F502E814}"/>
+            </a:ext>
+          </a:extLst>
+        </p:cNvPr>
+        <p:cNvGrpSpPr/>
+        <p:nvPr/>
+      </p:nvGrpSpPr>
+      <p:grpSpPr>
+        <a:xfrm>
+          <a:off x="0" y="0"/>
+          <a:ext cx="0" cy="0"/>
+          <a:chOff x="0" y="0"/>
+          <a:chExt cx="0" cy="0"/>
+        </a:xfrm>
+      </p:grpSpPr>
+      <p:pic>
+        <p:nvPicPr>
+          <p:cNvPr id="15" name="Espaço Reservado para Imagem 14">
+            <a:extLst>
+              <a:ext uri="{FF2B5EF4-FFF2-40B4-BE49-F238E27FC236}">
+                <a16:creationId xmlns:a16="http://schemas.microsoft.com/office/drawing/2014/main" id="{32296C66-99EC-8F40-280A-574BA8D9CFBC}"/>
+              </a:ext>
+            </a:extLst>
+          </p:cNvPr>
+          <p:cNvPicPr>
+            <a:picLocks noGrp="1" noChangeAspect="1"/>
+          </p:cNvPicPr>
+          <p:nvPr>
+            <p:ph type="pic" sz="quarter" idx="22"/>
+          </p:nvPr>
+        </p:nvPicPr>
+        <p:blipFill>
+          <a:blip r:embed="rId3"/>
+          <a:srcRect t="39775" b="39775"/>
+          <a:stretch>
+            <a:fillRect/>
+          </a:stretch>
+        </p:blipFill>
+        <p:spPr/>
+      </p:pic>
+      <p:sp>
+        <p:nvSpPr>
+          <p:cNvPr id="2" name="Título 1">
+            <a:extLst>
+              <a:ext uri="{FF2B5EF4-FFF2-40B4-BE49-F238E27FC236}">
+                <a16:creationId xmlns:a16="http://schemas.microsoft.com/office/drawing/2014/main" id="{3DFBF88A-0E43-9669-FAA8-D0A8256EC69C}"/>
+              </a:ext>
+            </a:extLst>
+          </p:cNvPr>
+          <p:cNvSpPr>
+            <a:spLocks noGrp="1"/>
+          </p:cNvSpPr>
+          <p:nvPr>
+            <p:ph type="title"/>
+          </p:nvPr>
+        </p:nvSpPr>
+        <p:spPr>
+          <a:xfrm>
+            <a:off x="1097279" y="457201"/>
+            <a:ext cx="9997440" cy="1662113"/>
+          </a:xfrm>
+        </p:spPr>
+        <p:txBody>
+          <a:bodyPr rtlCol="0">
+            <a:normAutofit/>
+          </a:bodyPr>
+          <a:lstStyle/>
+          <a:p>
+            <a:r>
+              <a:rPr lang="pt-BR" dirty="0"/>
+              <a:t>Construção</a:t>
+            </a:r>
+          </a:p>
+        </p:txBody>
+      </p:sp>
+      <p:sp>
+        <p:nvSpPr>
+          <p:cNvPr id="11" name="Espaço Reservado para o Número do Slide 10">
+            <a:extLst>
+              <a:ext uri="{FF2B5EF4-FFF2-40B4-BE49-F238E27FC236}">
+                <a16:creationId xmlns:a16="http://schemas.microsoft.com/office/drawing/2014/main" id="{FC9D50A1-C3AB-8ED6-1C16-30343DF0D08B}"/>
+              </a:ext>
+            </a:extLst>
+          </p:cNvPr>
+          <p:cNvSpPr>
+            <a:spLocks noGrp="1"/>
+          </p:cNvSpPr>
+          <p:nvPr>
+            <p:ph type="sldNum" sz="quarter" idx="12"/>
+          </p:nvPr>
+        </p:nvSpPr>
+        <p:spPr/>
+        <p:txBody>
+          <a:bodyPr rtlCol="0"/>
+          <a:lstStyle/>
+          <a:p>
+            <a:pPr rtl="0"/>
+            <a:fld id="{294A09A9-5501-47C1-A89A-A340965A2BE2}" type="slidenum">
+              <a:rPr lang="pt-BR" smtClean="0"/>
+              <a:pPr rtl="0"/>
+              <a:t>19</a:t>
+            </a:fld>
+            <a:endParaRPr lang="pt-BR"/>
+          </a:p>
+        </p:txBody>
+      </p:sp>
+      <p:sp>
+        <p:nvSpPr>
+          <p:cNvPr id="3" name="CaixaDeTexto 2">
+            <a:extLst>
+              <a:ext uri="{FF2B5EF4-FFF2-40B4-BE49-F238E27FC236}">
+                <a16:creationId xmlns:a16="http://schemas.microsoft.com/office/drawing/2014/main" id="{791FA6B9-F6C7-935F-454F-D92A89FA910D}"/>
+              </a:ext>
+            </a:extLst>
+          </p:cNvPr>
+          <p:cNvSpPr txBox="1"/>
+          <p:nvPr/>
+        </p:nvSpPr>
+        <p:spPr>
+          <a:xfrm>
+            <a:off x="3762379" y="2093226"/>
+            <a:ext cx="4667240" cy="584775"/>
+          </a:xfrm>
+          <a:prstGeom prst="rect">
+            <a:avLst/>
+          </a:prstGeom>
+          <a:noFill/>
+        </p:spPr>
+        <p:txBody>
+          <a:bodyPr wrap="none" rtlCol="0">
+            <a:spAutoFit/>
+          </a:bodyPr>
+          <a:lstStyle/>
+          <a:p>
+            <a:r>
+              <a:rPr lang="pt-BR" sz="3200" dirty="0">
+                <a:solidFill>
+                  <a:srgbClr val="FF0000"/>
+                </a:solidFill>
+                <a:latin typeface="+mj-lt"/>
+              </a:rPr>
+              <a:t>Orquestração com </a:t>
+            </a:r>
+            <a:r>
+              <a:rPr lang="pt-BR" sz="3200" dirty="0" err="1">
+                <a:solidFill>
+                  <a:srgbClr val="FF0000"/>
+                </a:solidFill>
+                <a:latin typeface="+mj-lt"/>
+              </a:rPr>
+              <a:t>Airflow</a:t>
+            </a:r>
+            <a:endParaRPr lang="pt-BR" sz="3200" dirty="0">
+              <a:solidFill>
+                <a:srgbClr val="FF0000"/>
+              </a:solidFill>
+              <a:latin typeface="+mj-lt"/>
+            </a:endParaRPr>
+          </a:p>
+        </p:txBody>
+      </p:sp>
+      <p:pic>
+        <p:nvPicPr>
+          <p:cNvPr id="6" name="Imagem 5">
+            <a:extLst>
+              <a:ext uri="{FF2B5EF4-FFF2-40B4-BE49-F238E27FC236}">
+                <a16:creationId xmlns:a16="http://schemas.microsoft.com/office/drawing/2014/main" id="{AA1BB27E-1EF0-3C4E-4E6F-9E3658E52119}"/>
+              </a:ext>
+            </a:extLst>
+          </p:cNvPr>
+          <p:cNvPicPr>
+            <a:picLocks noChangeAspect="1"/>
+          </p:cNvPicPr>
+          <p:nvPr/>
+        </p:nvPicPr>
+        <p:blipFill>
+          <a:blip r:embed="rId4"/>
+          <a:stretch>
+            <a:fillRect/>
+          </a:stretch>
+        </p:blipFill>
+        <p:spPr>
+          <a:xfrm>
+            <a:off x="1429304" y="2801722"/>
+            <a:ext cx="9333390" cy="3097427"/>
+          </a:xfrm>
+          <a:prstGeom prst="rect">
+            <a:avLst/>
+          </a:prstGeom>
+        </p:spPr>
+      </p:pic>
+    </p:spTree>
+    <p:extLst>
+      <p:ext uri="{BB962C8B-B14F-4D97-AF65-F5344CB8AC3E}">
+        <p14:creationId xmlns:p14="http://schemas.microsoft.com/office/powerpoint/2010/main" val="3010690818"/>
       </p:ext>
     </p:extLst>
   </p:cSld>
@@ -15294,7 +15610,7 @@
         </p:spPr>
         <p:txBody>
           <a:bodyPr vert="horz" lIns="91440" tIns="45720" rIns="91440" bIns="45720" rtlCol="0" anchor="t">
-            <a:normAutofit/>
+            <a:normAutofit lnSpcReduction="10000"/>
           </a:bodyPr>
           <a:lstStyle/>
           <a:p>
@@ -15326,10 +15642,15 @@
             </a:r>
           </a:p>
           <a:p>
-            <a:pPr rtl="0"/>
             <a:r>
               <a:rPr lang="pt-BR" dirty="0"/>
-              <a:t>Ferramentas e Arquitetura</a:t>
+              <a:t>Arquitetura e Ferramentas</a:t>
+            </a:r>
+          </a:p>
+          <a:p>
+            <a:r>
+              <a:rPr lang="pt-BR" dirty="0"/>
+              <a:t>Construção</a:t>
             </a:r>
           </a:p>
           <a:p>
@@ -15570,6 +15891,46 @@
           </a:prstGeom>
         </p:spPr>
       </p:pic>
+      <p:sp>
+        <p:nvSpPr>
+          <p:cNvPr id="3" name="CaixaDeTexto 2">
+            <a:extLst>
+              <a:ext uri="{FF2B5EF4-FFF2-40B4-BE49-F238E27FC236}">
+                <a16:creationId xmlns:a16="http://schemas.microsoft.com/office/drawing/2014/main" id="{D1A45708-D81D-C73F-488B-FE28371246AE}"/>
+              </a:ext>
+            </a:extLst>
+          </p:cNvPr>
+          <p:cNvSpPr txBox="1"/>
+          <p:nvPr/>
+        </p:nvSpPr>
+        <p:spPr>
+          <a:xfrm>
+            <a:off x="3762379" y="2093226"/>
+            <a:ext cx="5246949" cy="584775"/>
+          </a:xfrm>
+          <a:prstGeom prst="rect">
+            <a:avLst/>
+          </a:prstGeom>
+          <a:noFill/>
+        </p:spPr>
+        <p:txBody>
+          <a:bodyPr wrap="none" rtlCol="0">
+            <a:spAutoFit/>
+          </a:bodyPr>
+          <a:lstStyle/>
+          <a:p>
+            <a:r>
+              <a:rPr lang="pt-BR" sz="3200" dirty="0">
+                <a:solidFill>
+                  <a:srgbClr val="FF0000"/>
+                </a:solidFill>
+                <a:latin typeface="+mj-lt"/>
+              </a:rPr>
+              <a:t>Configuração das notificações</a:t>
+            </a:r>
+          </a:p>
+        </p:txBody>
+      </p:sp>
     </p:spTree>
     <p:extLst>
       <p:ext uri="{BB962C8B-B14F-4D97-AF65-F5344CB8AC3E}">
@@ -15719,14 +16080,54 @@
         </p:blipFill>
         <p:spPr>
           <a:xfrm>
-            <a:off x="843379" y="2627281"/>
-            <a:ext cx="10376278" cy="2506801"/>
+            <a:off x="1729106" y="2755831"/>
+            <a:ext cx="8984202" cy="2506801"/>
           </a:xfrm>
           <a:prstGeom prst="rect">
             <a:avLst/>
           </a:prstGeom>
         </p:spPr>
       </p:pic>
+      <p:sp>
+        <p:nvSpPr>
+          <p:cNvPr id="3" name="CaixaDeTexto 2">
+            <a:extLst>
+              <a:ext uri="{FF2B5EF4-FFF2-40B4-BE49-F238E27FC236}">
+                <a16:creationId xmlns:a16="http://schemas.microsoft.com/office/drawing/2014/main" id="{C7DEDDE0-7F3A-1894-2FB4-87FE9A34A6EE}"/>
+              </a:ext>
+            </a:extLst>
+          </p:cNvPr>
+          <p:cNvSpPr txBox="1"/>
+          <p:nvPr/>
+        </p:nvSpPr>
+        <p:spPr>
+          <a:xfrm>
+            <a:off x="3762379" y="2093226"/>
+            <a:ext cx="4610173" cy="584775"/>
+          </a:xfrm>
+          <a:prstGeom prst="rect">
+            <a:avLst/>
+          </a:prstGeom>
+          <a:noFill/>
+        </p:spPr>
+        <p:txBody>
+          <a:bodyPr wrap="none" rtlCol="0">
+            <a:spAutoFit/>
+          </a:bodyPr>
+          <a:lstStyle/>
+          <a:p>
+            <a:r>
+              <a:rPr lang="pt-BR" sz="3200" dirty="0">
+                <a:solidFill>
+                  <a:srgbClr val="FF0000"/>
+                </a:solidFill>
+                <a:latin typeface="+mj-lt"/>
+              </a:rPr>
+              <a:t>Recepção das notificações</a:t>
+            </a:r>
+          </a:p>
+        </p:txBody>
+      </p:sp>
     </p:spTree>
     <p:extLst>
       <p:ext uri="{BB962C8B-B14F-4D97-AF65-F5344CB8AC3E}">
@@ -15748,7 +16149,7 @@
         <p:cNvPr id="1" name="">
           <a:extLst>
             <a:ext uri="{FF2B5EF4-FFF2-40B4-BE49-F238E27FC236}">
-              <a16:creationId xmlns:a16="http://schemas.microsoft.com/office/drawing/2014/main" id="{F603BDAF-E08F-E24D-DC5E-A603F502E814}"/>
+              <a16:creationId xmlns:a16="http://schemas.microsoft.com/office/drawing/2014/main" id="{EE0F0667-ACF7-5F39-722A-77AF5347E67F}"/>
             </a:ext>
           </a:extLst>
         </p:cNvPr>
@@ -15768,7 +16169,7 @@
           <p:cNvPr id="15" name="Espaço Reservado para Imagem 14">
             <a:extLst>
               <a:ext uri="{FF2B5EF4-FFF2-40B4-BE49-F238E27FC236}">
-                <a16:creationId xmlns:a16="http://schemas.microsoft.com/office/drawing/2014/main" id="{32296C66-99EC-8F40-280A-574BA8D9CFBC}"/>
+                <a16:creationId xmlns:a16="http://schemas.microsoft.com/office/drawing/2014/main" id="{909E059E-03F1-987E-3495-B5F7699745D5}"/>
               </a:ext>
             </a:extLst>
           </p:cNvPr>
@@ -15793,7 +16194,7 @@
           <p:cNvPr id="2" name="Título 1">
             <a:extLst>
               <a:ext uri="{FF2B5EF4-FFF2-40B4-BE49-F238E27FC236}">
-                <a16:creationId xmlns:a16="http://schemas.microsoft.com/office/drawing/2014/main" id="{3DFBF88A-0E43-9669-FAA8-D0A8256EC69C}"/>
+                <a16:creationId xmlns:a16="http://schemas.microsoft.com/office/drawing/2014/main" id="{5DD51B7A-E83F-9BE9-4D91-3D4D37EF6DA9}"/>
               </a:ext>
             </a:extLst>
           </p:cNvPr>
@@ -15828,7 +16229,7 @@
           <p:cNvPr id="11" name="Espaço Reservado para o Número do Slide 10">
             <a:extLst>
               <a:ext uri="{FF2B5EF4-FFF2-40B4-BE49-F238E27FC236}">
-                <a16:creationId xmlns:a16="http://schemas.microsoft.com/office/drawing/2014/main" id="{FC9D50A1-C3AB-8ED6-1C16-30343DF0D08B}"/>
+                <a16:creationId xmlns:a16="http://schemas.microsoft.com/office/drawing/2014/main" id="{C0C269CF-C8BA-EF97-0775-7D392FEA8B1F}"/>
               </a:ext>
             </a:extLst>
           </p:cNvPr>
@@ -15854,12 +16255,52 @@
           </a:p>
         </p:txBody>
       </p:sp>
+      <p:sp>
+        <p:nvSpPr>
+          <p:cNvPr id="3" name="CaixaDeTexto 2">
+            <a:extLst>
+              <a:ext uri="{FF2B5EF4-FFF2-40B4-BE49-F238E27FC236}">
+                <a16:creationId xmlns:a16="http://schemas.microsoft.com/office/drawing/2014/main" id="{673CF9CB-3C2D-65B1-83BA-08A69EA9C153}"/>
+              </a:ext>
+            </a:extLst>
+          </p:cNvPr>
+          <p:cNvSpPr txBox="1"/>
+          <p:nvPr/>
+        </p:nvSpPr>
+        <p:spPr>
+          <a:xfrm>
+            <a:off x="3762379" y="2093226"/>
+            <a:ext cx="4148059" cy="584775"/>
+          </a:xfrm>
+          <a:prstGeom prst="rect">
+            <a:avLst/>
+          </a:prstGeom>
+          <a:noFill/>
+        </p:spPr>
+        <p:txBody>
+          <a:bodyPr wrap="none" rtlCol="0">
+            <a:spAutoFit/>
+          </a:bodyPr>
+          <a:lstStyle/>
+          <a:p>
+            <a:r>
+              <a:rPr lang="pt-BR" sz="3200" dirty="0">
+                <a:solidFill>
+                  <a:srgbClr val="FF0000"/>
+                </a:solidFill>
+                <a:latin typeface="+mj-lt"/>
+              </a:rPr>
+              <a:t>Catalogação dos dados </a:t>
+            </a:r>
+          </a:p>
+        </p:txBody>
+      </p:sp>
       <p:pic>
         <p:nvPicPr>
-          <p:cNvPr id="7" name="Imagem 6">
-            <a:extLst>
-              <a:ext uri="{FF2B5EF4-FFF2-40B4-BE49-F238E27FC236}">
-                <a16:creationId xmlns:a16="http://schemas.microsoft.com/office/drawing/2014/main" id="{41994CB7-2A12-F4B8-621A-4F30859011F9}"/>
+          <p:cNvPr id="5" name="Imagem 4">
+            <a:extLst>
+              <a:ext uri="{FF2B5EF4-FFF2-40B4-BE49-F238E27FC236}">
+                <a16:creationId xmlns:a16="http://schemas.microsoft.com/office/drawing/2014/main" id="{E8984745-A7A8-B537-1174-BE0F6382621E}"/>
               </a:ext>
             </a:extLst>
           </p:cNvPr>
@@ -15876,8 +16317,8 @@
         </p:blipFill>
         <p:spPr>
           <a:xfrm>
-            <a:off x="1097279" y="2266181"/>
-            <a:ext cx="9997441" cy="3255730"/>
+            <a:off x="2095130" y="2678001"/>
+            <a:ext cx="7652551" cy="3491435"/>
           </a:xfrm>
           <a:prstGeom prst="rect">
             <a:avLst/>
@@ -15887,7 +16328,7 @@
     </p:spTree>
     <p:extLst>
       <p:ext uri="{BB962C8B-B14F-4D97-AF65-F5344CB8AC3E}">
-        <p14:creationId xmlns:p14="http://schemas.microsoft.com/office/powerpoint/2010/main" val="3010690818"/>
+        <p14:creationId xmlns:p14="http://schemas.microsoft.com/office/powerpoint/2010/main" val="2967344519"/>
       </p:ext>
     </p:extLst>
   </p:cSld>
@@ -15902,7 +16343,13 @@
   <p:cSld>
     <p:spTree>
       <p:nvGrpSpPr>
-        <p:cNvPr id="1" name=""/>
+        <p:cNvPr id="1" name="">
+          <a:extLst>
+            <a:ext uri="{FF2B5EF4-FFF2-40B4-BE49-F238E27FC236}">
+              <a16:creationId xmlns:a16="http://schemas.microsoft.com/office/drawing/2014/main" id="{75265656-2F0D-B3E5-77AC-B381A4344F80}"/>
+            </a:ext>
+          </a:extLst>
+        </p:cNvPr>
         <p:cNvGrpSpPr/>
         <p:nvPr/>
       </p:nvGrpSpPr>
@@ -15916,10 +16363,10 @@
       </p:grpSpPr>
       <p:pic>
         <p:nvPicPr>
-          <p:cNvPr id="9" name="Espaço Reservado para Imagem 8">
-            <a:extLst>
-              <a:ext uri="{FF2B5EF4-FFF2-40B4-BE49-F238E27FC236}">
-                <a16:creationId xmlns:a16="http://schemas.microsoft.com/office/drawing/2014/main" id="{666DFF4F-EA69-6B41-73DC-65AEA38A8A03}"/>
+          <p:cNvPr id="15" name="Espaço Reservado para Imagem 14">
+            <a:extLst>
+              <a:ext uri="{FF2B5EF4-FFF2-40B4-BE49-F238E27FC236}">
+                <a16:creationId xmlns:a16="http://schemas.microsoft.com/office/drawing/2014/main" id="{1E336A99-EF24-5B43-9875-BE05E4742174}"/>
               </a:ext>
             </a:extLst>
           </p:cNvPr>
@@ -15927,12 +16374,12 @@
             <a:picLocks noGrp="1" noChangeAspect="1"/>
           </p:cNvPicPr>
           <p:nvPr>
-            <p:ph type="pic" sz="quarter" idx="10"/>
+            <p:ph type="pic" sz="quarter" idx="22"/>
           </p:nvPr>
         </p:nvPicPr>
         <p:blipFill>
           <a:blip r:embed="rId3"/>
-          <a:srcRect l="22421" r="22421"/>
+          <a:srcRect t="39775" b="39775"/>
           <a:stretch>
             <a:fillRect/>
           </a:stretch>
@@ -15941,10 +16388,10 @@
       </p:pic>
       <p:sp>
         <p:nvSpPr>
-          <p:cNvPr id="32" name="Título 31">
-            <a:extLst>
-              <a:ext uri="{FF2B5EF4-FFF2-40B4-BE49-F238E27FC236}">
-                <a16:creationId xmlns:a16="http://schemas.microsoft.com/office/drawing/2014/main" id="{F2959A91-4FC0-437D-AC15-2DA5FC8C7323}"/>
+          <p:cNvPr id="2" name="Título 1">
+            <a:extLst>
+              <a:ext uri="{FF2B5EF4-FFF2-40B4-BE49-F238E27FC236}">
+                <a16:creationId xmlns:a16="http://schemas.microsoft.com/office/drawing/2014/main" id="{5B272AC8-D9F0-DDC9-FC3A-5537B6ABDFE3}"/>
               </a:ext>
             </a:extLst>
           </p:cNvPr>
@@ -15957,140 +16404,40 @@
         </p:nvSpPr>
         <p:spPr>
           <a:xfrm>
-            <a:off x="-1" y="2932546"/>
-            <a:ext cx="5021263" cy="2285999"/>
-          </a:xfrm>
-        </p:spPr>
-        <p:txBody>
-          <a:bodyPr rtlCol="0"/>
-          <a:lstStyle/>
-          <a:p>
-            <a:pPr rtl="0"/>
-            <a:r>
-              <a:rPr lang="pt-BR" dirty="0"/>
-              <a:t>Resultados</a:t>
-            </a:r>
-          </a:p>
-        </p:txBody>
-      </p:sp>
-      <p:sp>
-        <p:nvSpPr>
-          <p:cNvPr id="3" name="Espaço Reservado para Conteúdo 2">
-            <a:extLst>
-              <a:ext uri="{FF2B5EF4-FFF2-40B4-BE49-F238E27FC236}">
-                <a16:creationId xmlns:a16="http://schemas.microsoft.com/office/drawing/2014/main" id="{7B943E7C-A74D-4CB3-844B-51917C88C95F}"/>
-              </a:ext>
-            </a:extLst>
-          </p:cNvPr>
-          <p:cNvSpPr>
-            <a:spLocks noGrp="1"/>
-          </p:cNvSpPr>
-          <p:nvPr>
-            <p:ph idx="1"/>
-          </p:nvPr>
-        </p:nvSpPr>
-        <p:spPr>
-          <a:xfrm>
-            <a:off x="5454317" y="1484357"/>
-            <a:ext cx="6608374" cy="3503279"/>
-          </a:xfrm>
-        </p:spPr>
-        <p:txBody>
-          <a:bodyPr vert="horz" lIns="91440" tIns="45720" rIns="91440" bIns="45720" rtlCol="0" anchor="t">
+            <a:off x="1097279" y="457201"/>
+            <a:ext cx="9997440" cy="1662113"/>
+          </a:xfrm>
+        </p:spPr>
+        <p:txBody>
+          <a:bodyPr rtlCol="0">
             <a:normAutofit/>
           </a:bodyPr>
           <a:lstStyle/>
           <a:p>
-            <a:pPr lvl="0"/>
-            <a:r>
-              <a:rPr lang="pt-BR" dirty="0">
-                <a:solidFill>
-                  <a:srgbClr val="936959"/>
-                </a:solidFill>
-              </a:rPr>
-              <a:t>Maior precisão na projeção da PDD;</a:t>
-            </a:r>
-          </a:p>
-          <a:p>
-            <a:pPr lvl="0"/>
-            <a:r>
-              <a:rPr lang="pt-BR" dirty="0">
-                <a:solidFill>
-                  <a:srgbClr val="936959"/>
-                </a:solidFill>
-              </a:rPr>
-              <a:t>Identificação antecipada de deterioração da qualidade da carteira;</a:t>
-            </a:r>
-          </a:p>
-          <a:p>
-            <a:pPr lvl="0"/>
-            <a:r>
-              <a:rPr lang="pt-BR" dirty="0">
-                <a:solidFill>
-                  <a:srgbClr val="936959"/>
-                </a:solidFill>
-              </a:rPr>
-              <a:t>Suporte qualificado à gestão de risco de crédito e à alocação de capital.</a:t>
-            </a:r>
-          </a:p>
-          <a:p>
-            <a:r>
-              <a:rPr lang="pt-BR" dirty="0">
-                <a:solidFill>
-                  <a:srgbClr val="936959"/>
-                </a:solidFill>
-              </a:rPr>
-              <a:t>Melhor compreensão do impacto da sazonalidade, choques externos e </a:t>
-            </a:r>
-            <a:r>
-              <a:rPr lang="pt-BR" dirty="0">
-                <a:solidFill>
-                  <a:srgbClr val="FF0000"/>
-                </a:solidFill>
-              </a:rPr>
-              <a:t>conservação do meio ambiente</a:t>
-            </a:r>
-            <a:r>
-              <a:rPr lang="pt-BR" dirty="0">
-                <a:solidFill>
-                  <a:srgbClr val="936959"/>
-                </a:solidFill>
-              </a:rPr>
-              <a:t>;</a:t>
-            </a:r>
-          </a:p>
-          <a:p>
-            <a:pPr lvl="0"/>
-            <a:endParaRPr lang="pt-BR" dirty="0">
-              <a:solidFill>
-                <a:srgbClr val="936959"/>
-              </a:solidFill>
-            </a:endParaRPr>
-          </a:p>
-        </p:txBody>
-      </p:sp>
-      <p:sp>
-        <p:nvSpPr>
-          <p:cNvPr id="5" name="Espaço Reservado para o Número do Slide 4">
-            <a:extLst>
-              <a:ext uri="{FF2B5EF4-FFF2-40B4-BE49-F238E27FC236}">
-                <a16:creationId xmlns:a16="http://schemas.microsoft.com/office/drawing/2014/main" id="{A1FCEF05-3A03-4BED-B0DD-9680C07AD261}"/>
-              </a:ext>
-            </a:extLst>
-          </p:cNvPr>
-          <p:cNvSpPr>
-            <a:spLocks noGrp="1"/>
-          </p:cNvSpPr>
-          <p:nvPr>
-            <p:ph type="sldNum" sz="quarter" idx="13"/>
-          </p:nvPr>
-        </p:nvSpPr>
-        <p:spPr>
-          <a:xfrm>
-            <a:off x="10713308" y="6356350"/>
-            <a:ext cx="1097692" cy="365125"/>
-          </a:xfrm>
-        </p:spPr>
+            <a:r>
+              <a:rPr lang="pt-BR" dirty="0"/>
+              <a:t>Construção</a:t>
+            </a:r>
+          </a:p>
+        </p:txBody>
+      </p:sp>
+      <p:sp>
+        <p:nvSpPr>
+          <p:cNvPr id="11" name="Espaço Reservado para o Número do Slide 10">
+            <a:extLst>
+              <a:ext uri="{FF2B5EF4-FFF2-40B4-BE49-F238E27FC236}">
+                <a16:creationId xmlns:a16="http://schemas.microsoft.com/office/drawing/2014/main" id="{20AA9EB2-59CF-1AF4-119E-9739C22205E6}"/>
+              </a:ext>
+            </a:extLst>
+          </p:cNvPr>
+          <p:cNvSpPr>
+            <a:spLocks noGrp="1"/>
+          </p:cNvSpPr>
+          <p:nvPr>
+            <p:ph type="sldNum" sz="quarter" idx="12"/>
+          </p:nvPr>
+        </p:nvSpPr>
+        <p:spPr/>
         <p:txBody>
           <a:bodyPr rtlCol="0"/>
           <a:lstStyle/>
@@ -16105,10 +16452,131 @@
           </a:p>
         </p:txBody>
       </p:sp>
+      <p:pic>
+        <p:nvPicPr>
+          <p:cNvPr id="4" name="Imagem 3">
+            <a:extLst>
+              <a:ext uri="{FF2B5EF4-FFF2-40B4-BE49-F238E27FC236}">
+                <a16:creationId xmlns:a16="http://schemas.microsoft.com/office/drawing/2014/main" id="{24FF1410-71E1-182D-7E8E-F73B7E937A22}"/>
+              </a:ext>
+            </a:extLst>
+          </p:cNvPr>
+          <p:cNvPicPr>
+            <a:picLocks noChangeAspect="1"/>
+          </p:cNvPicPr>
+          <p:nvPr/>
+        </p:nvPicPr>
+        <p:blipFill>
+          <a:blip r:embed="rId4"/>
+          <a:stretch>
+            <a:fillRect/>
+          </a:stretch>
+        </p:blipFill>
+        <p:spPr>
+          <a:xfrm>
+            <a:off x="2954043" y="2678001"/>
+            <a:ext cx="6846905" cy="3233952"/>
+          </a:xfrm>
+          <a:prstGeom prst="rect">
+            <a:avLst/>
+          </a:prstGeom>
+        </p:spPr>
+      </p:pic>
+      <p:sp>
+        <p:nvSpPr>
+          <p:cNvPr id="5" name="CaixaDeTexto 4">
+            <a:extLst>
+              <a:ext uri="{FF2B5EF4-FFF2-40B4-BE49-F238E27FC236}">
+                <a16:creationId xmlns:a16="http://schemas.microsoft.com/office/drawing/2014/main" id="{5C42845D-4F42-909B-5ED2-CFF3357D6F30}"/>
+              </a:ext>
+            </a:extLst>
+          </p:cNvPr>
+          <p:cNvSpPr txBox="1"/>
+          <p:nvPr/>
+        </p:nvSpPr>
+        <p:spPr>
+          <a:xfrm>
+            <a:off x="2517015" y="2093226"/>
+            <a:ext cx="7720960" cy="584775"/>
+          </a:xfrm>
+          <a:prstGeom prst="rect">
+            <a:avLst/>
+          </a:prstGeom>
+          <a:noFill/>
+        </p:spPr>
+        <p:txBody>
+          <a:bodyPr wrap="none" rtlCol="0">
+            <a:spAutoFit/>
+          </a:bodyPr>
+          <a:lstStyle/>
+          <a:p>
+            <a:r>
+              <a:rPr lang="pt-BR" sz="3200" dirty="0">
+                <a:solidFill>
+                  <a:srgbClr val="FF0000"/>
+                </a:solidFill>
+                <a:latin typeface="+mj-lt"/>
+              </a:rPr>
+              <a:t>Dashboard de Evolução da PDD Publicado </a:t>
+            </a:r>
+          </a:p>
+        </p:txBody>
+      </p:sp>
+      <p:sp>
+        <p:nvSpPr>
+          <p:cNvPr id="12" name="CaixaDeTexto 11">
+            <a:extLst>
+              <a:ext uri="{FF2B5EF4-FFF2-40B4-BE49-F238E27FC236}">
+                <a16:creationId xmlns:a16="http://schemas.microsoft.com/office/drawing/2014/main" id="{D9B70BE6-EE57-F5ED-7EB6-C4BA6708EE8C}"/>
+              </a:ext>
+            </a:extLst>
+          </p:cNvPr>
+          <p:cNvSpPr txBox="1"/>
+          <p:nvPr/>
+        </p:nvSpPr>
+        <p:spPr>
+          <a:xfrm>
+            <a:off x="1632751" y="6140906"/>
+            <a:ext cx="1758518" cy="215444"/>
+          </a:xfrm>
+          <a:prstGeom prst="rect">
+            <a:avLst/>
+          </a:prstGeom>
+          <a:noFill/>
+        </p:spPr>
+        <p:txBody>
+          <a:bodyPr wrap="square">
+            <a:spAutoFit/>
+          </a:bodyPr>
+          <a:lstStyle/>
+          <a:p>
+            <a:r>
+              <a:rPr lang="pt-BR" sz="800" dirty="0">
+                <a:solidFill>
+                  <a:srgbClr val="FF0000"/>
+                </a:solidFill>
+                <a:hlinkClick r:id="rId5">
+                  <a:extLst>
+                    <a:ext uri="{A12FA001-AC4F-418D-AE19-62706E023703}">
+                      <ahyp:hlinkClr xmlns:ahyp="http://schemas.microsoft.com/office/drawing/2018/hyperlinkcolor" val="tx"/>
+                    </a:ext>
+                  </a:extLst>
+                </a:hlinkClick>
+              </a:rPr>
+              <a:t>Dashboard Publicado</a:t>
+            </a:r>
+            <a:endParaRPr lang="pt-BR" sz="800" dirty="0">
+              <a:solidFill>
+                <a:srgbClr val="FF0000"/>
+              </a:solidFill>
+            </a:endParaRPr>
+          </a:p>
+        </p:txBody>
+      </p:sp>
     </p:spTree>
     <p:extLst>
       <p:ext uri="{BB962C8B-B14F-4D97-AF65-F5344CB8AC3E}">
-        <p14:creationId xmlns:p14="http://schemas.microsoft.com/office/powerpoint/2010/main" val="445070695"/>
+        <p14:creationId xmlns:p14="http://schemas.microsoft.com/office/powerpoint/2010/main" val="215716244"/>
       </p:ext>
     </p:extLst>
   </p:cSld>
@@ -16135,137 +16603,183 @@
           <a:chExt cx="0" cy="0"/>
         </a:xfrm>
       </p:grpSpPr>
-      <p:sp>
-        <p:nvSpPr>
-          <p:cNvPr id="6" name="Espaço Reservado para Texto 5">
-            <a:extLst>
-              <a:ext uri="{FF2B5EF4-FFF2-40B4-BE49-F238E27FC236}">
-                <a16:creationId xmlns:a16="http://schemas.microsoft.com/office/drawing/2014/main" id="{F5018B6D-E395-49AD-92AD-AD69E3AB40C3}"/>
-              </a:ext>
-            </a:extLst>
-          </p:cNvPr>
-          <p:cNvSpPr>
-            <a:spLocks noGrp="1"/>
-          </p:cNvSpPr>
-          <p:nvPr>
-            <p:ph type="body" sz="quarter" idx="3"/>
-          </p:nvPr>
-        </p:nvSpPr>
-        <p:spPr>
-          <a:xfrm>
-            <a:off x="2243470" y="2251881"/>
-            <a:ext cx="7049385" cy="524860"/>
-          </a:xfrm>
-        </p:spPr>
-        <p:txBody>
-          <a:bodyPr rtlCol="0">
+      <p:pic>
+        <p:nvPicPr>
+          <p:cNvPr id="9" name="Espaço Reservado para Imagem 8">
+            <a:extLst>
+              <a:ext uri="{FF2B5EF4-FFF2-40B4-BE49-F238E27FC236}">
+                <a16:creationId xmlns:a16="http://schemas.microsoft.com/office/drawing/2014/main" id="{666DFF4F-EA69-6B41-73DC-65AEA38A8A03}"/>
+              </a:ext>
+            </a:extLst>
+          </p:cNvPr>
+          <p:cNvPicPr>
+            <a:picLocks noGrp="1" noChangeAspect="1"/>
+          </p:cNvPicPr>
+          <p:nvPr>
+            <p:ph type="pic" sz="quarter" idx="10"/>
+          </p:nvPr>
+        </p:nvPicPr>
+        <p:blipFill>
+          <a:blip r:embed="rId3"/>
+          <a:srcRect l="22421" r="22421"/>
+          <a:stretch>
+            <a:fillRect/>
+          </a:stretch>
+        </p:blipFill>
+        <p:spPr/>
+      </p:pic>
+      <p:sp>
+        <p:nvSpPr>
+          <p:cNvPr id="32" name="Título 31">
+            <a:extLst>
+              <a:ext uri="{FF2B5EF4-FFF2-40B4-BE49-F238E27FC236}">
+                <a16:creationId xmlns:a16="http://schemas.microsoft.com/office/drawing/2014/main" id="{F2959A91-4FC0-437D-AC15-2DA5FC8C7323}"/>
+              </a:ext>
+            </a:extLst>
+          </p:cNvPr>
+          <p:cNvSpPr>
+            <a:spLocks noGrp="1"/>
+          </p:cNvSpPr>
+          <p:nvPr>
+            <p:ph type="title"/>
+          </p:nvPr>
+        </p:nvSpPr>
+        <p:spPr>
+          <a:xfrm>
+            <a:off x="-1" y="2932546"/>
+            <a:ext cx="5021263" cy="2285999"/>
+          </a:xfrm>
+        </p:spPr>
+        <p:txBody>
+          <a:bodyPr rtlCol="0"/>
+          <a:lstStyle/>
+          <a:p>
+            <a:pPr rtl="0"/>
+            <a:r>
+              <a:rPr lang="pt-BR" dirty="0"/>
+              <a:t>Resultados</a:t>
+            </a:r>
+          </a:p>
+        </p:txBody>
+      </p:sp>
+      <p:sp>
+        <p:nvSpPr>
+          <p:cNvPr id="3" name="Espaço Reservado para Conteúdo 2">
+            <a:extLst>
+              <a:ext uri="{FF2B5EF4-FFF2-40B4-BE49-F238E27FC236}">
+                <a16:creationId xmlns:a16="http://schemas.microsoft.com/office/drawing/2014/main" id="{7B943E7C-A74D-4CB3-844B-51917C88C95F}"/>
+              </a:ext>
+            </a:extLst>
+          </p:cNvPr>
+          <p:cNvSpPr>
+            <a:spLocks noGrp="1"/>
+          </p:cNvSpPr>
+          <p:nvPr>
+            <p:ph idx="1"/>
+          </p:nvPr>
+        </p:nvSpPr>
+        <p:spPr>
+          <a:xfrm>
+            <a:off x="5454317" y="1484357"/>
+            <a:ext cx="6608374" cy="3503279"/>
+          </a:xfrm>
+        </p:spPr>
+        <p:txBody>
+          <a:bodyPr vert="horz" lIns="91440" tIns="45720" rIns="91440" bIns="45720" rtlCol="0" anchor="t">
             <a:normAutofit/>
           </a:bodyPr>
           <a:lstStyle/>
           <a:p>
-            <a:pPr rtl="0"/>
-            <a:r>
-              <a:rPr lang="pt-BR" dirty="0"/>
-              <a:t>Novas ofertas – linhas de crédito “</a:t>
-            </a:r>
-            <a:r>
-              <a:rPr lang="pt-BR" dirty="0" err="1"/>
-              <a:t>e.s.g</a:t>
-            </a:r>
-            <a:r>
-              <a:rPr lang="pt-BR" dirty="0"/>
-              <a:t>.”</a:t>
-            </a:r>
-          </a:p>
-        </p:txBody>
-      </p:sp>
-      <p:sp>
-        <p:nvSpPr>
-          <p:cNvPr id="5" name="Espaço Reservado para Conteúdo 4">
-            <a:extLst>
-              <a:ext uri="{FF2B5EF4-FFF2-40B4-BE49-F238E27FC236}">
-                <a16:creationId xmlns:a16="http://schemas.microsoft.com/office/drawing/2014/main" id="{BDB9D020-1E25-453D-83DF-1420ACD3968D}"/>
-              </a:ext>
-            </a:extLst>
-          </p:cNvPr>
-          <p:cNvSpPr>
-            <a:spLocks noGrp="1"/>
-          </p:cNvSpPr>
-          <p:nvPr>
-            <p:ph sz="quarter" idx="4"/>
-          </p:nvPr>
-        </p:nvSpPr>
-        <p:spPr>
-          <a:xfrm>
-            <a:off x="1097279" y="2909308"/>
-            <a:ext cx="9864888" cy="3070828"/>
-          </a:xfrm>
-        </p:spPr>
-        <p:txBody>
-          <a:bodyPr rtlCol="0"/>
-          <a:lstStyle/>
-          <a:p>
-            <a:pPr rtl="0"/>
-            <a:r>
-              <a:rPr lang="pt-BR" dirty="0"/>
-              <a:t>Pelos dados analisados conclui-se que um dos pontos relevantes que impactam a inadimplência dos clientes é a produtividade da sua safra que cada vez mais é afetada pelas mudanças climáticas.</a:t>
-            </a:r>
-          </a:p>
-          <a:p>
-            <a:pPr rtl="0"/>
-            <a:r>
-              <a:rPr lang="pt-BR" dirty="0"/>
-              <a:t>Ofertar linhas créditos ESG com melhores condições aos clientes.</a:t>
-            </a:r>
-          </a:p>
-          <a:p>
-            <a:pPr rtl="0"/>
-            <a:r>
-              <a:rPr lang="pt-BR" dirty="0"/>
-              <a:t>Incentiva a sustentabilidade ao meio ambiente</a:t>
-            </a:r>
-          </a:p>
-          <a:p>
-            <a:pPr rtl="0"/>
-            <a:r>
-              <a:rPr lang="pt-BR" dirty="0"/>
-              <a:t>Melhora as condições climáticas, logo mitiga risco de prejuízos na safra.</a:t>
-            </a:r>
-          </a:p>
-          <a:p>
-            <a:pPr rtl="0"/>
-            <a:r>
-              <a:rPr lang="pt-BR" dirty="0"/>
-              <a:t>Menor inadimplência.</a:t>
-            </a:r>
-          </a:p>
-          <a:p>
-            <a:pPr rtl="0"/>
-            <a:endParaRPr lang="pt-BR" dirty="0"/>
-          </a:p>
-          <a:p>
-            <a:pPr rtl="0"/>
-            <a:endParaRPr lang="pt-BR" dirty="0"/>
-          </a:p>
-        </p:txBody>
-      </p:sp>
-      <p:sp>
-        <p:nvSpPr>
-          <p:cNvPr id="8" name="Espaço Reservado para o Número do Slide 7">
-            <a:extLst>
-              <a:ext uri="{FF2B5EF4-FFF2-40B4-BE49-F238E27FC236}">
-                <a16:creationId xmlns:a16="http://schemas.microsoft.com/office/drawing/2014/main" id="{FDF02649-7B74-4CBD-BC77-4B93192B743A}"/>
-              </a:ext>
-            </a:extLst>
-          </p:cNvPr>
-          <p:cNvSpPr>
-            <a:spLocks noGrp="1"/>
-          </p:cNvSpPr>
-          <p:nvPr>
-            <p:ph type="sldNum" sz="quarter" idx="12"/>
-          </p:nvPr>
-        </p:nvSpPr>
-        <p:spPr/>
+            <a:pPr lvl="0"/>
+            <a:r>
+              <a:rPr lang="pt-BR" dirty="0">
+                <a:solidFill>
+                  <a:srgbClr val="936959"/>
+                </a:solidFill>
+              </a:rPr>
+              <a:t>Maior precisão na projeção da PDD;</a:t>
+            </a:r>
+          </a:p>
+          <a:p>
+            <a:pPr lvl="0"/>
+            <a:r>
+              <a:rPr lang="pt-BR" dirty="0">
+                <a:solidFill>
+                  <a:srgbClr val="936959"/>
+                </a:solidFill>
+              </a:rPr>
+              <a:t>Identificação antecipada de deterioração da qualidade da carteira;</a:t>
+            </a:r>
+          </a:p>
+          <a:p>
+            <a:pPr lvl="0"/>
+            <a:r>
+              <a:rPr lang="pt-BR" dirty="0">
+                <a:solidFill>
+                  <a:srgbClr val="936959"/>
+                </a:solidFill>
+              </a:rPr>
+              <a:t>Suporte qualificado à gestão de risco de crédito e à alocação de capital.</a:t>
+            </a:r>
+          </a:p>
+          <a:p>
+            <a:r>
+              <a:rPr lang="pt-BR" dirty="0">
+                <a:solidFill>
+                  <a:srgbClr val="936959"/>
+                </a:solidFill>
+              </a:rPr>
+              <a:t>Melhor compreensão do impacto da sazonalidade, choques externos e </a:t>
+            </a:r>
+            <a:r>
+              <a:rPr lang="pt-BR" dirty="0">
+                <a:solidFill>
+                  <a:srgbClr val="FF0000"/>
+                </a:solidFill>
+              </a:rPr>
+              <a:t>conservação do meio ambiente</a:t>
+            </a:r>
+            <a:r>
+              <a:rPr lang="pt-BR" dirty="0">
+                <a:solidFill>
+                  <a:srgbClr val="936959"/>
+                </a:solidFill>
+              </a:rPr>
+              <a:t>;</a:t>
+            </a:r>
+          </a:p>
+          <a:p>
+            <a:pPr lvl="0"/>
+            <a:endParaRPr lang="pt-BR" dirty="0">
+              <a:solidFill>
+                <a:srgbClr val="936959"/>
+              </a:solidFill>
+            </a:endParaRPr>
+          </a:p>
+        </p:txBody>
+      </p:sp>
+      <p:sp>
+        <p:nvSpPr>
+          <p:cNvPr id="5" name="Espaço Reservado para o Número do Slide 4">
+            <a:extLst>
+              <a:ext uri="{FF2B5EF4-FFF2-40B4-BE49-F238E27FC236}">
+                <a16:creationId xmlns:a16="http://schemas.microsoft.com/office/drawing/2014/main" id="{A1FCEF05-3A03-4BED-B0DD-9680C07AD261}"/>
+              </a:ext>
+            </a:extLst>
+          </p:cNvPr>
+          <p:cNvSpPr>
+            <a:spLocks noGrp="1"/>
+          </p:cNvSpPr>
+          <p:nvPr>
+            <p:ph type="sldNum" sz="quarter" idx="13"/>
+          </p:nvPr>
+        </p:nvSpPr>
+        <p:spPr>
+          <a:xfrm>
+            <a:off x="10713308" y="6356350"/>
+            <a:ext cx="1097692" cy="365125"/>
+          </a:xfrm>
+        </p:spPr>
         <p:txBody>
           <a:bodyPr rtlCol="0"/>
           <a:lstStyle/>
@@ -16280,69 +16794,10 @@
           </a:p>
         </p:txBody>
       </p:sp>
-      <p:pic>
-        <p:nvPicPr>
-          <p:cNvPr id="12" name="Espaço Reservado para Imagem 11">
-            <a:extLst>
-              <a:ext uri="{FF2B5EF4-FFF2-40B4-BE49-F238E27FC236}">
-                <a16:creationId xmlns:a16="http://schemas.microsoft.com/office/drawing/2014/main" id="{7BDBF27B-B39F-7B22-8487-B0123753D590}"/>
-              </a:ext>
-            </a:extLst>
-          </p:cNvPr>
-          <p:cNvPicPr>
-            <a:picLocks noGrp="1" noChangeAspect="1"/>
-          </p:cNvPicPr>
-          <p:nvPr>
-            <p:ph type="pic" sz="quarter" idx="22"/>
-          </p:nvPr>
-        </p:nvPicPr>
-        <p:blipFill>
-          <a:blip r:embed="rId3"/>
-          <a:srcRect t="39775" b="39775"/>
-          <a:stretch>
-            <a:fillRect/>
-          </a:stretch>
-        </p:blipFill>
-        <p:spPr/>
-      </p:pic>
-      <p:sp>
-        <p:nvSpPr>
-          <p:cNvPr id="71" name="Título 70">
-            <a:extLst>
-              <a:ext uri="{FF2B5EF4-FFF2-40B4-BE49-F238E27FC236}">
-                <a16:creationId xmlns:a16="http://schemas.microsoft.com/office/drawing/2014/main" id="{E0FEE499-AB74-47F2-A52F-76A79317EC9E}"/>
-              </a:ext>
-            </a:extLst>
-          </p:cNvPr>
-          <p:cNvSpPr>
-            <a:spLocks noGrp="1"/>
-          </p:cNvSpPr>
-          <p:nvPr>
-            <p:ph type="title"/>
-          </p:nvPr>
-        </p:nvSpPr>
-        <p:spPr>
-          <a:xfrm>
-            <a:off x="1097279" y="457201"/>
-            <a:ext cx="9997440" cy="1662113"/>
-          </a:xfrm>
-        </p:spPr>
-        <p:txBody>
-          <a:bodyPr rtlCol="0"/>
-          <a:lstStyle/>
-          <a:p>
-            <a:pPr rtl="0"/>
-            <a:r>
-              <a:rPr lang="pt-BR" dirty="0"/>
-              <a:t>Próximos Passos</a:t>
-            </a:r>
-          </a:p>
-        </p:txBody>
-      </p:sp>
     </p:spTree>
     <p:extLst>
       <p:ext uri="{BB962C8B-B14F-4D97-AF65-F5344CB8AC3E}">
-        <p14:creationId xmlns:p14="http://schemas.microsoft.com/office/powerpoint/2010/main" val="2563119616"/>
+        <p14:creationId xmlns:p14="http://schemas.microsoft.com/office/powerpoint/2010/main" val="445070695"/>
       </p:ext>
     </p:extLst>
   </p:cSld>
@@ -16369,6 +16824,240 @@
           <a:chExt cx="0" cy="0"/>
         </a:xfrm>
       </p:grpSpPr>
+      <p:sp>
+        <p:nvSpPr>
+          <p:cNvPr id="6" name="Espaço Reservado para Texto 5">
+            <a:extLst>
+              <a:ext uri="{FF2B5EF4-FFF2-40B4-BE49-F238E27FC236}">
+                <a16:creationId xmlns:a16="http://schemas.microsoft.com/office/drawing/2014/main" id="{F5018B6D-E395-49AD-92AD-AD69E3AB40C3}"/>
+              </a:ext>
+            </a:extLst>
+          </p:cNvPr>
+          <p:cNvSpPr>
+            <a:spLocks noGrp="1"/>
+          </p:cNvSpPr>
+          <p:nvPr>
+            <p:ph type="body" sz="quarter" idx="3"/>
+          </p:nvPr>
+        </p:nvSpPr>
+        <p:spPr>
+          <a:xfrm>
+            <a:off x="2243470" y="2251881"/>
+            <a:ext cx="7049385" cy="524860"/>
+          </a:xfrm>
+        </p:spPr>
+        <p:txBody>
+          <a:bodyPr rtlCol="0">
+            <a:normAutofit/>
+          </a:bodyPr>
+          <a:lstStyle/>
+          <a:p>
+            <a:pPr rtl="0"/>
+            <a:r>
+              <a:rPr lang="pt-BR" dirty="0"/>
+              <a:t>Novas ofertas – linhas de crédito “</a:t>
+            </a:r>
+            <a:r>
+              <a:rPr lang="pt-BR" dirty="0" err="1"/>
+              <a:t>e.s.g</a:t>
+            </a:r>
+            <a:r>
+              <a:rPr lang="pt-BR" dirty="0"/>
+              <a:t>.”</a:t>
+            </a:r>
+          </a:p>
+        </p:txBody>
+      </p:sp>
+      <p:sp>
+        <p:nvSpPr>
+          <p:cNvPr id="5" name="Espaço Reservado para Conteúdo 4">
+            <a:extLst>
+              <a:ext uri="{FF2B5EF4-FFF2-40B4-BE49-F238E27FC236}">
+                <a16:creationId xmlns:a16="http://schemas.microsoft.com/office/drawing/2014/main" id="{BDB9D020-1E25-453D-83DF-1420ACD3968D}"/>
+              </a:ext>
+            </a:extLst>
+          </p:cNvPr>
+          <p:cNvSpPr>
+            <a:spLocks noGrp="1"/>
+          </p:cNvSpPr>
+          <p:nvPr>
+            <p:ph sz="quarter" idx="4"/>
+          </p:nvPr>
+        </p:nvSpPr>
+        <p:spPr>
+          <a:xfrm>
+            <a:off x="1097279" y="2909308"/>
+            <a:ext cx="9864888" cy="3070828"/>
+          </a:xfrm>
+        </p:spPr>
+        <p:txBody>
+          <a:bodyPr rtlCol="0"/>
+          <a:lstStyle/>
+          <a:p>
+            <a:pPr rtl="0"/>
+            <a:r>
+              <a:rPr lang="pt-BR" dirty="0"/>
+              <a:t>Pelos dados analisados conclui-se que um dos pontos relevantes que impactam a inadimplência dos clientes é a produtividade da sua safra que cada vez mais é afetada pelas mudanças climáticas.</a:t>
+            </a:r>
+          </a:p>
+          <a:p>
+            <a:pPr rtl="0"/>
+            <a:r>
+              <a:rPr lang="pt-BR" dirty="0"/>
+              <a:t>Ofertar linhas créditos ESG com melhores condições aos clientes.</a:t>
+            </a:r>
+          </a:p>
+          <a:p>
+            <a:pPr rtl="0"/>
+            <a:r>
+              <a:rPr lang="pt-BR" dirty="0"/>
+              <a:t>Incentiva a sustentabilidade ao meio ambiente</a:t>
+            </a:r>
+          </a:p>
+          <a:p>
+            <a:pPr rtl="0"/>
+            <a:r>
+              <a:rPr lang="pt-BR" dirty="0"/>
+              <a:t>Melhora as condições climáticas, logo mitiga risco de prejuízos na safra.</a:t>
+            </a:r>
+          </a:p>
+          <a:p>
+            <a:pPr rtl="0"/>
+            <a:r>
+              <a:rPr lang="pt-BR" dirty="0"/>
+              <a:t>Menor inadimplência.</a:t>
+            </a:r>
+          </a:p>
+          <a:p>
+            <a:pPr rtl="0"/>
+            <a:endParaRPr lang="pt-BR" dirty="0"/>
+          </a:p>
+          <a:p>
+            <a:pPr rtl="0"/>
+            <a:endParaRPr lang="pt-BR" dirty="0"/>
+          </a:p>
+        </p:txBody>
+      </p:sp>
+      <p:sp>
+        <p:nvSpPr>
+          <p:cNvPr id="8" name="Espaço Reservado para o Número do Slide 7">
+            <a:extLst>
+              <a:ext uri="{FF2B5EF4-FFF2-40B4-BE49-F238E27FC236}">
+                <a16:creationId xmlns:a16="http://schemas.microsoft.com/office/drawing/2014/main" id="{FDF02649-7B74-4CBD-BC77-4B93192B743A}"/>
+              </a:ext>
+            </a:extLst>
+          </p:cNvPr>
+          <p:cNvSpPr>
+            <a:spLocks noGrp="1"/>
+          </p:cNvSpPr>
+          <p:nvPr>
+            <p:ph type="sldNum" sz="quarter" idx="12"/>
+          </p:nvPr>
+        </p:nvSpPr>
+        <p:spPr/>
+        <p:txBody>
+          <a:bodyPr rtlCol="0"/>
+          <a:lstStyle/>
+          <a:p>
+            <a:pPr rtl="0"/>
+            <a:fld id="{294A09A9-5501-47C1-A89A-A340965A2BE2}" type="slidenum">
+              <a:rPr lang="pt-BR" smtClean="0"/>
+              <a:pPr rtl="0"/>
+              <a:t>25</a:t>
+            </a:fld>
+            <a:endParaRPr lang="pt-BR"/>
+          </a:p>
+        </p:txBody>
+      </p:sp>
+      <p:pic>
+        <p:nvPicPr>
+          <p:cNvPr id="12" name="Espaço Reservado para Imagem 11">
+            <a:extLst>
+              <a:ext uri="{FF2B5EF4-FFF2-40B4-BE49-F238E27FC236}">
+                <a16:creationId xmlns:a16="http://schemas.microsoft.com/office/drawing/2014/main" id="{7BDBF27B-B39F-7B22-8487-B0123753D590}"/>
+              </a:ext>
+            </a:extLst>
+          </p:cNvPr>
+          <p:cNvPicPr>
+            <a:picLocks noGrp="1" noChangeAspect="1"/>
+          </p:cNvPicPr>
+          <p:nvPr>
+            <p:ph type="pic" sz="quarter" idx="22"/>
+          </p:nvPr>
+        </p:nvPicPr>
+        <p:blipFill>
+          <a:blip r:embed="rId3"/>
+          <a:srcRect t="39775" b="39775"/>
+          <a:stretch>
+            <a:fillRect/>
+          </a:stretch>
+        </p:blipFill>
+        <p:spPr/>
+      </p:pic>
+      <p:sp>
+        <p:nvSpPr>
+          <p:cNvPr id="71" name="Título 70">
+            <a:extLst>
+              <a:ext uri="{FF2B5EF4-FFF2-40B4-BE49-F238E27FC236}">
+                <a16:creationId xmlns:a16="http://schemas.microsoft.com/office/drawing/2014/main" id="{E0FEE499-AB74-47F2-A52F-76A79317EC9E}"/>
+              </a:ext>
+            </a:extLst>
+          </p:cNvPr>
+          <p:cNvSpPr>
+            <a:spLocks noGrp="1"/>
+          </p:cNvSpPr>
+          <p:nvPr>
+            <p:ph type="title"/>
+          </p:nvPr>
+        </p:nvSpPr>
+        <p:spPr>
+          <a:xfrm>
+            <a:off x="1097279" y="457201"/>
+            <a:ext cx="9997440" cy="1662113"/>
+          </a:xfrm>
+        </p:spPr>
+        <p:txBody>
+          <a:bodyPr rtlCol="0"/>
+          <a:lstStyle/>
+          <a:p>
+            <a:pPr rtl="0"/>
+            <a:r>
+              <a:rPr lang="pt-BR" dirty="0"/>
+              <a:t>Próximos Passos</a:t>
+            </a:r>
+          </a:p>
+        </p:txBody>
+      </p:sp>
+    </p:spTree>
+    <p:extLst>
+      <p:ext uri="{BB962C8B-B14F-4D97-AF65-F5344CB8AC3E}">
+        <p14:creationId xmlns:p14="http://schemas.microsoft.com/office/powerpoint/2010/main" val="2563119616"/>
+      </p:ext>
+    </p:extLst>
+  </p:cSld>
+  <p:clrMapOvr>
+    <a:masterClrMapping/>
+  </p:clrMapOvr>
+</p:sld>
+</file>
+
+<file path=ppt/slides/slide26.xml><?xml version="1.0" encoding="utf-8"?>
+<p:sld xmlns:a="http://schemas.openxmlformats.org/drawingml/2006/main" xmlns:r="http://schemas.openxmlformats.org/officeDocument/2006/relationships" xmlns:p="http://schemas.openxmlformats.org/presentationml/2006/main">
+  <p:cSld>
+    <p:spTree>
+      <p:nvGrpSpPr>
+        <p:cNvPr id="1" name=""/>
+        <p:cNvGrpSpPr/>
+        <p:nvPr/>
+      </p:nvGrpSpPr>
+      <p:grpSpPr>
+        <a:xfrm>
+          <a:off x="0" y="0"/>
+          <a:ext cx="0" cy="0"/>
+          <a:chOff x="0" y="0"/>
+          <a:chExt cx="0" cy="0"/>
+        </a:xfrm>
+      </p:grpSpPr>
       <p:pic>
         <p:nvPicPr>
           <p:cNvPr id="8" name="Espaço Reservado para Imagem 7">
@@ -16489,7 +17178,7 @@
             <a:fld id="{294A09A9-5501-47C1-A89A-A340965A2BE2}" type="slidenum">
               <a:rPr lang="pt-BR" smtClean="0"/>
               <a:pPr rtl="0"/>
-              <a:t>25</a:t>
+              <a:t>26</a:t>
             </a:fld>
             <a:endParaRPr lang="pt-BR"/>
           </a:p>
@@ -19751,15 +20440,6 @@
 </file>
 
 <file path=customXml/item2.xml><?xml version="1.0" encoding="utf-8"?>
-<?mso-contentType ?>
-<FormTemplates xmlns="http://schemas.microsoft.com/sharepoint/v3/contenttype/forms">
-  <Display>DocumentLibraryForm</Display>
-  <Edit>DocumentLibraryForm</Edit>
-  <New>DocumentLibraryForm</New>
-</FormTemplates>
-</file>
-
-<file path=customXml/item3.xml><?xml version="1.0" encoding="utf-8"?>
 <p:properties xmlns:p="http://schemas.microsoft.com/office/2006/metadata/properties" xmlns:xsi="http://www.w3.org/2001/XMLSchema-instance" xmlns:pc="http://schemas.microsoft.com/office/infopath/2007/PartnerControls">
   <documentManagement>
     <Status xmlns="71af3243-3dd4-4a8d-8c0d-dd76da1f02a5">Not started</Status>
@@ -19776,6 +20456,15 @@
     <MediaServiceKeyPoints xmlns="71af3243-3dd4-4a8d-8c0d-dd76da1f02a5" xsi:nil="true"/>
   </documentManagement>
 </p:properties>
+</file>
+
+<file path=customXml/item3.xml><?xml version="1.0" encoding="utf-8"?>
+<?mso-contentType ?>
+<FormTemplates xmlns="http://schemas.microsoft.com/sharepoint/v3/contenttype/forms">
+  <Display>DocumentLibraryForm</Display>
+  <Edit>DocumentLibraryForm</Edit>
+  <New>DocumentLibraryForm</New>
+</FormTemplates>
 </file>
 
 <file path=customXml/itemProps1.xml><?xml version="1.0" encoding="utf-8"?>
@@ -19800,14 +20489,6 @@
 </file>
 
 <file path=customXml/itemProps2.xml><?xml version="1.0" encoding="utf-8"?>
-<ds:datastoreItem xmlns:ds="http://schemas.openxmlformats.org/officeDocument/2006/customXml" ds:itemID="{5571BCEA-BFD4-4A19-A553-5C9F87CB8F22}">
-  <ds:schemaRefs>
-    <ds:schemaRef ds:uri="http://schemas.microsoft.com/sharepoint/v3/contenttype/forms"/>
-  </ds:schemaRefs>
-</ds:datastoreItem>
-</file>
-
-<file path=customXml/itemProps3.xml><?xml version="1.0" encoding="utf-8"?>
 <ds:datastoreItem xmlns:ds="http://schemas.openxmlformats.org/officeDocument/2006/customXml" ds:itemID="{71EA95FB-CA08-49B7-ACB3-F9D3CF51D93A}">
   <ds:schemaRefs>
     <ds:schemaRef ds:uri="http://schemas.microsoft.com/office/2006/metadata/properties"/>
@@ -19819,6 +20500,14 @@
 </ds:datastoreItem>
 </file>
 
+<file path=customXml/itemProps3.xml><?xml version="1.0" encoding="utf-8"?>
+<ds:datastoreItem xmlns:ds="http://schemas.openxmlformats.org/officeDocument/2006/customXml" ds:itemID="{5571BCEA-BFD4-4A19-A553-5C9F87CB8F22}">
+  <ds:schemaRefs>
+    <ds:schemaRef ds:uri="http://schemas.microsoft.com/sharepoint/v3/contenttype/forms"/>
+  </ds:schemaRefs>
+</ds:datastoreItem>
+</file>
+
 <file path=docMetadata/LabelInfo.xml><?xml version="1.0" encoding="utf-8"?>
 <clbl:labelList xmlns:clbl="http://schemas.microsoft.com/office/2020/mipLabelMetadata">
   <clbl:label id="{f42aa342-8706-4288-bd11-ebb85995028c}" enabled="1" method="Standard" siteId="{72f988bf-86f1-41af-91ab-2d7cd011db47}" removed="0"/>

--- a/apresentacao/Apresentação.pptx
+++ b/apresentacao/Apresentação.pptx
@@ -155,7 +155,7 @@
 <file path=ppt/commentAuthors.xml><?xml version="1.0" encoding="utf-8"?>
 <p:cmAuthorLst xmlns:a="http://schemas.openxmlformats.org/drawingml/2006/main" xmlns:r="http://schemas.openxmlformats.org/officeDocument/2006/relationships" xmlns:p="http://schemas.openxmlformats.org/presentationml/2006/main">
   <p:cmAuthor id="3" name="Autor" initials="A" lastIdx="0" clrIdx="2"/>
-  <p:cmAuthor id="4" name="Leonardo Nascimento" initials="LN" lastIdx="6" clrIdx="3">
+  <p:cmAuthor id="4" name="Leonardo Nascimento" initials="LN" lastIdx="13" clrIdx="3">
     <p:extLst>
       <p:ext uri="{19B8F6BF-5375-455C-9EA6-DF929625EA0E}">
         <p15:presenceInfo xmlns:p15="http://schemas.microsoft.com/office/powerpoint/2012/main" userId="b33ccf9e6f72ae12" providerId="Windows Live"/>
@@ -218,6 +218,101 @@
       </p:ext>
     </p:extLst>
   </p:cm>
+  <p:cm authorId="4" dt="2026-02-05T10:02:00.047" idx="8">
+    <p:pos x="10" y="146"/>
+    <p:text>Pelos dados analisados conclui-se que um dos pontos relevantes que impactam a inadimplência dos clientes é a produtividade da sua safra que cada vez mais é afetada pelas mudanças climáticas.
+Ofertar linhas créditos ESG com melhores condições aos clientes.
+Incentiva a sustentabilidade ao meio ambiente
+Melhora as condições climáticas, logo mitiga risco de prejuízos na safra.
+Menor inadimplência.</p:text>
+    <p:extLst>
+      <p:ext uri="{C676402C-5697-4E1C-873F-D02D1690AC5C}">
+        <p15:threadingInfo xmlns:p15="http://schemas.microsoft.com/office/powerpoint/2012/main" timeZoneBias="180">
+          <p15:parentCm authorId="4" idx="5"/>
+        </p15:threadingInfo>
+      </p:ext>
+    </p:extLst>
+  </p:cm>
+  <p:cm authorId="4" dt="2026-02-05T10:02:00.067" idx="9">
+    <p:pos x="10" y="282"/>
+    <p:text>Pelos dados analisados conclui-se que um dos pontos relevantes que impactam a inadimplência dos clientes é a produtividade da sua safra que cada vez mais é afetada pelas mudanças climáticas.
+Ofertar linhas créditos ESG com melhores condições aos clientes.
+Incentiva a sustentabilidade ao meio ambiente
+Melhora as condições climáticas, logo mitiga risco de prejuízos na safra.
+Menor inadimplência.</p:text>
+    <p:extLst>
+      <p:ext uri="{C676402C-5697-4E1C-873F-D02D1690AC5C}">
+        <p15:threadingInfo xmlns:p15="http://schemas.microsoft.com/office/powerpoint/2012/main" timeZoneBias="180">
+          <p15:parentCm authorId="4" idx="5"/>
+        </p15:threadingInfo>
+      </p:ext>
+    </p:extLst>
+  </p:cm>
+  <p:cm authorId="4" dt="2026-02-05T10:02:00.083" idx="10">
+    <p:pos x="10" y="418"/>
+    <p:text>Pelos dados analisados conclui-se que um dos pontos relevantes que impactam a inadimplência dos clientes é a produtividade da sua safra que cada vez mais é afetada pelas mudanças climáticas.
+Ofertar linhas créditos ESG com melhores condições aos clientes.
+Incentiva a sustentabilidade ao meio ambiente
+Melhora as condições climáticas, logo mitiga risco de prejuízos na safra.
+Menor inadimplência.</p:text>
+    <p:extLst>
+      <p:ext uri="{C676402C-5697-4E1C-873F-D02D1690AC5C}">
+        <p15:threadingInfo xmlns:p15="http://schemas.microsoft.com/office/powerpoint/2012/main" timeZoneBias="180">
+          <p15:parentCm authorId="4" idx="5"/>
+        </p15:threadingInfo>
+      </p:ext>
+    </p:extLst>
+  </p:cm>
+  <p:cm authorId="4" dt="2026-02-05T10:02:00.100" idx="11">
+    <p:pos x="10" y="554"/>
+    <p:text>Pelos dados analisados conclui-se que um dos pontos relevantes que impactam a inadimplência dos clientes é a produtividade da sua safra que cada vez mais é afetada pelas mudanças climáticas.
+Ofertar linhas créditos ESG com melhores condições aos clientes.
+Incentiva a sustentabilidade ao meio ambiente
+Melhora as condições climáticas, logo mitiga risco de prejuízos na safra.
+Menor inadimplência.</p:text>
+    <p:extLst>
+      <p:ext uri="{C676402C-5697-4E1C-873F-D02D1690AC5C}">
+        <p15:threadingInfo xmlns:p15="http://schemas.microsoft.com/office/powerpoint/2012/main" timeZoneBias="180">
+          <p15:parentCm authorId="4" idx="5"/>
+        </p15:threadingInfo>
+      </p:ext>
+    </p:extLst>
+  </p:cm>
+  <p:cm authorId="4" dt="2026-02-05T10:02:00.119" idx="12">
+    <p:pos x="10" y="690"/>
+    <p:text>Pelos dados analisados conclui-se que um dos pontos relevantes que impactam a inadimplência dos clientes é a produtividade da sua safra que cada vez mais é afetada pelas mudanças climáticas.
+Ofertar linhas créditos ESG com melhores condições aos clientes.
+Incentiva a sustentabilidade ao meio ambiente
+Melhora as condições climáticas, logo mitiga risco de prejuízos na safra.
+Menor inadimplência.</p:text>
+    <p:extLst>
+      <p:ext uri="{C676402C-5697-4E1C-873F-D02D1690AC5C}">
+        <p15:threadingInfo xmlns:p15="http://schemas.microsoft.com/office/powerpoint/2012/main" timeZoneBias="180">
+          <p15:parentCm authorId="4" idx="5"/>
+        </p15:threadingInfo>
+      </p:ext>
+    </p:extLst>
+  </p:cm>
+  <p:cm authorId="4" dt="2026-02-05T10:08:35.140" idx="13">
+    <p:pos x="10" y="826"/>
+    <p:text>Em resumo, o ML do Databricks serve para reduzir o tempo entre o desenvolvimento de um modelo e sua colocação em produção, unificando a engenharia de dados e a ciência de dados em uma plataforma Lakehouse</p:text>
+    <p:extLst>
+      <p:ext uri="{C676402C-5697-4E1C-873F-D02D1690AC5C}">
+        <p15:threadingInfo xmlns:p15="http://schemas.microsoft.com/office/powerpoint/2012/main" timeZoneBias="180">
+          <p15:parentCm authorId="4" idx="5"/>
+        </p15:threadingInfo>
+      </p:ext>
+    </p:extLst>
+  </p:cm>
+  <p:cm authorId="4" dt="2026-02-05T10:01:45.509" idx="7">
+    <p:pos x="146" y="146"/>
+    <p:text/>
+    <p:extLst>
+      <p:ext uri="{C676402C-5697-4E1C-873F-D02D1690AC5C}">
+        <p15:threadingInfo xmlns:p15="http://schemas.microsoft.com/office/powerpoint/2012/main" timeZoneBias="180"/>
+      </p:ext>
+    </p:extLst>
+  </p:cm>
 </p:cmLst>
 </file>
 
@@ -317,7 +412,7 @@
             <a:pPr rtl="0"/>
             <a:fld id="{9E772C96-AF7B-461A-93F1-E5A64CB313EA}" type="datetime1">
               <a:rPr lang="pt-BR" smtClean="0"/>
-              <a:t>04/02/2026</a:t>
+              <a:t>05/02/2026</a:t>
             </a:fld>
             <a:endParaRPr lang="pt-BR" dirty="0"/>
           </a:p>
@@ -499,7 +594,7 @@
             <a:fld id="{1269F0B7-85E1-46F0-9201-968C8E4DEE0F}" type="datetime1">
               <a:rPr lang="pt-BR" smtClean="0"/>
               <a:pPr/>
-              <a:t>04/02/2026</a:t>
+              <a:t>05/02/2026</a:t>
             </a:fld>
             <a:endParaRPr lang="pt-BR" dirty="0"/>
           </a:p>
@@ -14360,7 +14455,7 @@
         </p:nvSpPr>
         <p:spPr>
           <a:xfrm>
-            <a:off x="2018785" y="2129128"/>
+            <a:off x="3026921" y="2119314"/>
             <a:ext cx="6138155" cy="584775"/>
           </a:xfrm>
           <a:prstGeom prst="rect">
@@ -14597,8 +14692,8 @@
         </p:nvSpPr>
         <p:spPr>
           <a:xfrm>
-            <a:off x="3026921" y="2125929"/>
-            <a:ext cx="6138155" cy="584775"/>
+            <a:off x="2367053" y="2125928"/>
+            <a:ext cx="7769178" cy="584775"/>
           </a:xfrm>
           <a:prstGeom prst="rect">
             <a:avLst/>
@@ -14618,7 +14713,7 @@
                 </a:solidFill>
                 <a:latin typeface="+mj-lt"/>
               </a:rPr>
-              <a:t>Dados nas tabelas Rating e Cliente</a:t>
+              <a:t>Dados nas tabelas Rating Cliente e Contrato</a:t>
             </a:r>
           </a:p>
         </p:txBody>
@@ -16269,7 +16364,7 @@
         </p:nvSpPr>
         <p:spPr>
           <a:xfrm>
-            <a:off x="3762379" y="2093226"/>
+            <a:off x="4021969" y="2093226"/>
             <a:ext cx="4148059" cy="584775"/>
           </a:xfrm>
           <a:prstGeom prst="rect">
@@ -16826,106 +16921,84 @@
       </p:grpSpPr>
       <p:sp>
         <p:nvSpPr>
-          <p:cNvPr id="6" name="Espaço Reservado para Texto 5">
-            <a:extLst>
-              <a:ext uri="{FF2B5EF4-FFF2-40B4-BE49-F238E27FC236}">
-                <a16:creationId xmlns:a16="http://schemas.microsoft.com/office/drawing/2014/main" id="{F5018B6D-E395-49AD-92AD-AD69E3AB40C3}"/>
-              </a:ext>
-            </a:extLst>
-          </p:cNvPr>
-          <p:cNvSpPr>
-            <a:spLocks noGrp="1"/>
-          </p:cNvSpPr>
-          <p:nvPr>
-            <p:ph type="body" sz="quarter" idx="3"/>
-          </p:nvPr>
-        </p:nvSpPr>
-        <p:spPr>
-          <a:xfrm>
-            <a:off x="2243470" y="2251881"/>
-            <a:ext cx="7049385" cy="524860"/>
+          <p:cNvPr id="5" name="Espaço Reservado para Conteúdo 4">
+            <a:extLst>
+              <a:ext uri="{FF2B5EF4-FFF2-40B4-BE49-F238E27FC236}">
+                <a16:creationId xmlns:a16="http://schemas.microsoft.com/office/drawing/2014/main" id="{BDB9D020-1E25-453D-83DF-1420ACD3968D}"/>
+              </a:ext>
+            </a:extLst>
+          </p:cNvPr>
+          <p:cNvSpPr>
+            <a:spLocks noGrp="1"/>
+          </p:cNvSpPr>
+          <p:nvPr>
+            <p:ph sz="quarter" idx="4"/>
+          </p:nvPr>
+        </p:nvSpPr>
+        <p:spPr>
+          <a:xfrm>
+            <a:off x="1517338" y="2473817"/>
+            <a:ext cx="9864888" cy="3070828"/>
           </a:xfrm>
         </p:spPr>
         <p:txBody>
           <a:bodyPr rtlCol="0">
-            <a:normAutofit/>
+            <a:normAutofit fontScale="92500"/>
           </a:bodyPr>
           <a:lstStyle/>
           <a:p>
             <a:pPr rtl="0"/>
             <a:r>
-              <a:rPr lang="pt-BR" dirty="0"/>
-              <a:t>Novas ofertas – linhas de crédito “</a:t>
-            </a:r>
-            <a:r>
-              <a:rPr lang="pt-BR" dirty="0" err="1"/>
-              <a:t>e.s.g</a:t>
-            </a:r>
-            <a:r>
-              <a:rPr lang="pt-BR" dirty="0"/>
-              <a:t>.”</a:t>
-            </a:r>
-          </a:p>
-        </p:txBody>
-      </p:sp>
-      <p:sp>
-        <p:nvSpPr>
-          <p:cNvPr id="5" name="Espaço Reservado para Conteúdo 4">
-            <a:extLst>
-              <a:ext uri="{FF2B5EF4-FFF2-40B4-BE49-F238E27FC236}">
-                <a16:creationId xmlns:a16="http://schemas.microsoft.com/office/drawing/2014/main" id="{BDB9D020-1E25-453D-83DF-1420ACD3968D}"/>
-              </a:ext>
-            </a:extLst>
-          </p:cNvPr>
-          <p:cNvSpPr>
-            <a:spLocks noGrp="1"/>
-          </p:cNvSpPr>
-          <p:nvPr>
-            <p:ph sz="quarter" idx="4"/>
-          </p:nvPr>
-        </p:nvSpPr>
-        <p:spPr>
-          <a:xfrm>
-            <a:off x="1097279" y="2909308"/>
-            <a:ext cx="9864888" cy="3070828"/>
-          </a:xfrm>
-        </p:spPr>
-        <p:txBody>
-          <a:bodyPr rtlCol="0"/>
-          <a:lstStyle/>
-          <a:p>
-            <a:pPr rtl="0"/>
-            <a:r>
-              <a:rPr lang="pt-BR" dirty="0"/>
-              <a:t>Pelos dados analisados conclui-se que um dos pontos relevantes que impactam a inadimplência dos clientes é a produtividade da sua safra que cada vez mais é afetada pelas mudanças climáticas.</a:t>
-            </a:r>
-          </a:p>
-          <a:p>
-            <a:pPr rtl="0"/>
-            <a:r>
-              <a:rPr lang="pt-BR" dirty="0"/>
-              <a:t>Ofertar linhas créditos ESG com melhores condições aos clientes.</a:t>
-            </a:r>
-          </a:p>
-          <a:p>
-            <a:pPr rtl="0"/>
-            <a:r>
-              <a:rPr lang="pt-BR" dirty="0"/>
-              <a:t>Incentiva a sustentabilidade ao meio ambiente</a:t>
-            </a:r>
-          </a:p>
-          <a:p>
-            <a:pPr rtl="0"/>
-            <a:r>
-              <a:rPr lang="pt-BR" dirty="0"/>
-              <a:t>Melhora as condições climáticas, logo mitiga risco de prejuízos na safra.</a:t>
-            </a:r>
-          </a:p>
-          <a:p>
-            <a:pPr rtl="0"/>
-            <a:r>
-              <a:rPr lang="pt-BR" dirty="0"/>
-              <a:t>Menor inadimplência.</a:t>
+              <a:rPr lang="pt-BR" sz="2200" dirty="0"/>
+              <a:t>Visão de negócio - Novas ofertas de linhas de crédito ESG.</a:t>
+            </a:r>
+          </a:p>
+          <a:p>
+            <a:r>
+              <a:rPr lang="pt-BR" sz="2200" dirty="0"/>
+              <a:t>Visão Técnica:</a:t>
+            </a:r>
+          </a:p>
+          <a:p>
+            <a:pPr lvl="1"/>
+            <a:r>
+              <a:rPr lang="pt-BR" sz="2200" dirty="0"/>
+              <a:t>Melhoria no tratamento dos dados (inconsistências, limpeza, backup, expurgo).</a:t>
+            </a:r>
+          </a:p>
+          <a:p>
+            <a:pPr lvl="1"/>
+            <a:r>
+              <a:rPr lang="pt-BR" sz="2200" dirty="0"/>
+              <a:t>Colher dados externos:</a:t>
+            </a:r>
+          </a:p>
+          <a:p>
+            <a:pPr lvl="2"/>
+            <a:r>
+              <a:rPr lang="pt-BR" sz="2200" dirty="0"/>
+              <a:t>IBGE: dados de produção agrícola regional</a:t>
+            </a:r>
+          </a:p>
+          <a:p>
+            <a:pPr lvl="2"/>
+            <a:r>
+              <a:rPr lang="pt-BR" sz="2200" dirty="0"/>
+              <a:t>INMET: variáveis climáticas, como precipitação e temperatura</a:t>
+            </a:r>
+          </a:p>
+          <a:p>
+            <a:pPr lvl="1"/>
+            <a:r>
+              <a:rPr lang="pt-BR" sz="2200" dirty="0"/>
+              <a:t>Implementação de modelos de análise preditiva e motores de recomendações</a:t>
+            </a:r>
+          </a:p>
+          <a:p>
+            <a:pPr lvl="1"/>
+            <a:r>
+              <a:rPr lang="pt-BR" sz="2200" dirty="0"/>
+              <a:t>Melhoria nos dashboards e relatórios analíticos.</a:t>
             </a:r>
           </a:p>
           <a:p>
@@ -18376,6 +18449,175 @@
                 <a:latin typeface="+mj-lt"/>
               </a:rPr>
               <a:t>Propõe-se uma solução analítica baseada em integração de dados internos e externos para aprimorar a estimativa e a previsão da PDD.</a:t>
+            </a:r>
+          </a:p>
+        </p:txBody>
+      </p:sp>
+      <p:sp>
+        <p:nvSpPr>
+          <p:cNvPr id="6" name="CaixaDeTexto 5">
+            <a:extLst>
+              <a:ext uri="{FF2B5EF4-FFF2-40B4-BE49-F238E27FC236}">
+                <a16:creationId xmlns:a16="http://schemas.microsoft.com/office/drawing/2014/main" id="{C8476D5C-2D37-4EA5-124E-0812677FAC9D}"/>
+              </a:ext>
+            </a:extLst>
+          </p:cNvPr>
+          <p:cNvSpPr txBox="1"/>
+          <p:nvPr/>
+        </p:nvSpPr>
+        <p:spPr>
+          <a:xfrm>
+            <a:off x="1097279" y="3229788"/>
+            <a:ext cx="9861453" cy="3420808"/>
+          </a:xfrm>
+          <a:prstGeom prst="rect">
+            <a:avLst/>
+          </a:prstGeom>
+          <a:noFill/>
+        </p:spPr>
+        <p:txBody>
+          <a:bodyPr wrap="square">
+            <a:spAutoFit/>
+          </a:bodyPr>
+          <a:lstStyle/>
+          <a:p>
+            <a:pPr marL="342900" lvl="0" indent="-342900">
+              <a:lnSpc>
+                <a:spcPct val="115000"/>
+              </a:lnSpc>
+              <a:spcAft>
+                <a:spcPts val="1000"/>
+              </a:spcAft>
+              <a:buSzPts val="1000"/>
+              <a:buFont typeface="Symbol" panose="05050102010706020507" pitchFamily="18" charset="2"/>
+              <a:buChar char=""/>
+              <a:tabLst>
+                <a:tab pos="457200" algn="l"/>
+              </a:tabLst>
+            </a:pPr>
+            <a:r>
+              <a:rPr lang="pt-BR" sz="2000" dirty="0">
+                <a:solidFill>
+                  <a:srgbClr val="936959"/>
+                </a:solidFill>
+                <a:effectLst/>
+                <a:latin typeface="+mj-lt"/>
+                <a:ea typeface="MS Mincho" panose="02020609040205080304" pitchFamily="49" charset="-128"/>
+                <a:cs typeface="Times New Roman" panose="02020603050405020304" pitchFamily="18" charset="0"/>
+              </a:rPr>
+              <a:t>Projetar uma arquitetura de dados escalável, reprodutível e auditável;</a:t>
+            </a:r>
+          </a:p>
+          <a:p>
+            <a:pPr marL="342900" lvl="0" indent="-342900">
+              <a:lnSpc>
+                <a:spcPct val="115000"/>
+              </a:lnSpc>
+              <a:spcAft>
+                <a:spcPts val="1000"/>
+              </a:spcAft>
+              <a:buSzPts val="1000"/>
+              <a:buFont typeface="Symbol" panose="05050102010706020507" pitchFamily="18" charset="2"/>
+              <a:buChar char=""/>
+              <a:tabLst>
+                <a:tab pos="457200" algn="l"/>
+              </a:tabLst>
+            </a:pPr>
+            <a:r>
+              <a:rPr lang="pt-BR" sz="2000" dirty="0">
+                <a:solidFill>
+                  <a:srgbClr val="936959"/>
+                </a:solidFill>
+                <a:effectLst/>
+                <a:latin typeface="+mj-lt"/>
+                <a:ea typeface="MS Mincho" panose="02020609040205080304" pitchFamily="49" charset="-128"/>
+                <a:cs typeface="Times New Roman" panose="02020603050405020304" pitchFamily="18" charset="0"/>
+              </a:rPr>
+              <a:t>Integrar dados internos de crédito e risco com dados externos do agronegócio;</a:t>
+            </a:r>
+          </a:p>
+          <a:p>
+            <a:pPr marL="342900" lvl="0" indent="-342900">
+              <a:lnSpc>
+                <a:spcPct val="115000"/>
+              </a:lnSpc>
+              <a:spcAft>
+                <a:spcPts val="1000"/>
+              </a:spcAft>
+              <a:buSzPts val="1000"/>
+              <a:buFont typeface="Symbol" panose="05050102010706020507" pitchFamily="18" charset="2"/>
+              <a:buChar char=""/>
+              <a:tabLst>
+                <a:tab pos="457200" algn="l"/>
+              </a:tabLst>
+            </a:pPr>
+            <a:r>
+              <a:rPr lang="pt-BR" sz="2000" dirty="0">
+                <a:solidFill>
+                  <a:srgbClr val="936959"/>
+                </a:solidFill>
+                <a:effectLst/>
+                <a:latin typeface="+mj-lt"/>
+                <a:ea typeface="MS Mincho" panose="02020609040205080304" pitchFamily="49" charset="-128"/>
+                <a:cs typeface="Times New Roman" panose="02020603050405020304" pitchFamily="18" charset="0"/>
+              </a:rPr>
+              <a:t>Desenvolver modelos de séries temporais e de machine learning aplicados à projeção da PDD;</a:t>
+            </a:r>
+          </a:p>
+          <a:p>
+            <a:pPr marL="342900" lvl="0" indent="-342900">
+              <a:lnSpc>
+                <a:spcPct val="115000"/>
+              </a:lnSpc>
+              <a:spcAft>
+                <a:spcPts val="1000"/>
+              </a:spcAft>
+              <a:buSzPts val="1000"/>
+              <a:buFont typeface="Symbol" panose="05050102010706020507" pitchFamily="18" charset="2"/>
+              <a:buChar char=""/>
+              <a:tabLst>
+                <a:tab pos="457200" algn="l"/>
+              </a:tabLst>
+            </a:pPr>
+            <a:r>
+              <a:rPr lang="pt-BR" sz="2000" dirty="0">
+                <a:solidFill>
+                  <a:srgbClr val="936959"/>
+                </a:solidFill>
+                <a:effectLst/>
+                <a:latin typeface="+mj-lt"/>
+                <a:ea typeface="MS Mincho" panose="02020609040205080304" pitchFamily="49" charset="-128"/>
+                <a:cs typeface="Times New Roman" panose="02020603050405020304" pitchFamily="18" charset="0"/>
+              </a:rPr>
+              <a:t>Avaliar o impacto da sazonalidade agrícola, das condições climáticas e dos preços das commodities na inadimplência;</a:t>
+            </a:r>
+          </a:p>
+          <a:p>
+            <a:pPr marL="342900" lvl="0" indent="-342900">
+              <a:lnSpc>
+                <a:spcPct val="115000"/>
+              </a:lnSpc>
+              <a:spcAft>
+                <a:spcPts val="1000"/>
+              </a:spcAft>
+              <a:buSzPts val="1000"/>
+              <a:buFont typeface="Symbol" panose="05050102010706020507" pitchFamily="18" charset="2"/>
+              <a:buChar char=""/>
+              <a:tabLst>
+                <a:tab pos="457200" algn="l"/>
+              </a:tabLst>
+            </a:pPr>
+            <a:r>
+              <a:rPr lang="pt-BR" sz="2000" dirty="0">
+                <a:solidFill>
+                  <a:srgbClr val="936959"/>
+                </a:solidFill>
+                <a:effectLst/>
+                <a:latin typeface="+mj-lt"/>
+                <a:ea typeface="MS Mincho" panose="02020609040205080304" pitchFamily="49" charset="-128"/>
+                <a:cs typeface="Times New Roman" panose="02020603050405020304" pitchFamily="18" charset="0"/>
+              </a:rPr>
+              <a:t>Disponibilizar os resultados por meio de dashboards analíticos para suporte à tomada de decisão.</a:t>
             </a:r>
           </a:p>
         </p:txBody>
@@ -20440,6 +20682,15 @@
 </file>
 
 <file path=customXml/item2.xml><?xml version="1.0" encoding="utf-8"?>
+<?mso-contentType ?>
+<FormTemplates xmlns="http://schemas.microsoft.com/sharepoint/v3/contenttype/forms">
+  <Display>DocumentLibraryForm</Display>
+  <Edit>DocumentLibraryForm</Edit>
+  <New>DocumentLibraryForm</New>
+</FormTemplates>
+</file>
+
+<file path=customXml/item3.xml><?xml version="1.0" encoding="utf-8"?>
 <p:properties xmlns:p="http://schemas.microsoft.com/office/2006/metadata/properties" xmlns:xsi="http://www.w3.org/2001/XMLSchema-instance" xmlns:pc="http://schemas.microsoft.com/office/infopath/2007/PartnerControls">
   <documentManagement>
     <Status xmlns="71af3243-3dd4-4a8d-8c0d-dd76da1f02a5">Not started</Status>
@@ -20456,15 +20707,6 @@
     <MediaServiceKeyPoints xmlns="71af3243-3dd4-4a8d-8c0d-dd76da1f02a5" xsi:nil="true"/>
   </documentManagement>
 </p:properties>
-</file>
-
-<file path=customXml/item3.xml><?xml version="1.0" encoding="utf-8"?>
-<?mso-contentType ?>
-<FormTemplates xmlns="http://schemas.microsoft.com/sharepoint/v3/contenttype/forms">
-  <Display>DocumentLibraryForm</Display>
-  <Edit>DocumentLibraryForm</Edit>
-  <New>DocumentLibraryForm</New>
-</FormTemplates>
 </file>
 
 <file path=customXml/itemProps1.xml><?xml version="1.0" encoding="utf-8"?>
@@ -20489,6 +20731,14 @@
 </file>
 
 <file path=customXml/itemProps2.xml><?xml version="1.0" encoding="utf-8"?>
+<ds:datastoreItem xmlns:ds="http://schemas.openxmlformats.org/officeDocument/2006/customXml" ds:itemID="{5571BCEA-BFD4-4A19-A553-5C9F87CB8F22}">
+  <ds:schemaRefs>
+    <ds:schemaRef ds:uri="http://schemas.microsoft.com/sharepoint/v3/contenttype/forms"/>
+  </ds:schemaRefs>
+</ds:datastoreItem>
+</file>
+
+<file path=customXml/itemProps3.xml><?xml version="1.0" encoding="utf-8"?>
 <ds:datastoreItem xmlns:ds="http://schemas.openxmlformats.org/officeDocument/2006/customXml" ds:itemID="{71EA95FB-CA08-49B7-ACB3-F9D3CF51D93A}">
   <ds:schemaRefs>
     <ds:schemaRef ds:uri="http://schemas.microsoft.com/office/2006/metadata/properties"/>
@@ -20500,14 +20750,6 @@
 </ds:datastoreItem>
 </file>
 
-<file path=customXml/itemProps3.xml><?xml version="1.0" encoding="utf-8"?>
-<ds:datastoreItem xmlns:ds="http://schemas.openxmlformats.org/officeDocument/2006/customXml" ds:itemID="{5571BCEA-BFD4-4A19-A553-5C9F87CB8F22}">
-  <ds:schemaRefs>
-    <ds:schemaRef ds:uri="http://schemas.microsoft.com/sharepoint/v3/contenttype/forms"/>
-  </ds:schemaRefs>
-</ds:datastoreItem>
-</file>
-
 <file path=docMetadata/LabelInfo.xml><?xml version="1.0" encoding="utf-8"?>
 <clbl:labelList xmlns:clbl="http://schemas.microsoft.com/office/2020/mipLabelMetadata">
   <clbl:label id="{f42aa342-8706-4288-bd11-ebb85995028c}" enabled="1" method="Standard" siteId="{72f988bf-86f1-41af-91ab-2d7cd011db47}" removed="0"/>
